--- a/teaching materials/Day 3/Day3_Part1.pptx
+++ b/teaching materials/Day 3/Day3_Part1.pptx
@@ -5,46 +5,48 @@
     <p:sldMasterId id="2147483662" r:id="rId7"/>
   </p:sldMasterIdLst>
   <p:notesMasterIdLst>
-    <p:notesMasterId r:id="rId37"/>
+    <p:notesMasterId r:id="rId39"/>
   </p:notesMasterIdLst>
   <p:handoutMasterIdLst>
-    <p:handoutMasterId r:id="rId38"/>
+    <p:handoutMasterId r:id="rId40"/>
   </p:handoutMasterIdLst>
   <p:sldIdLst>
     <p:sldId id="256" r:id="rId8"/>
     <p:sldId id="313" r:id="rId9"/>
     <p:sldId id="288" r:id="rId10"/>
     <p:sldId id="308" r:id="rId11"/>
-    <p:sldId id="309" r:id="rId12"/>
-    <p:sldId id="310" r:id="rId13"/>
-    <p:sldId id="321" r:id="rId14"/>
-    <p:sldId id="293" r:id="rId15"/>
-    <p:sldId id="295" r:id="rId16"/>
-    <p:sldId id="312" r:id="rId17"/>
-    <p:sldId id="317" r:id="rId18"/>
-    <p:sldId id="319" r:id="rId19"/>
-    <p:sldId id="320" r:id="rId20"/>
-    <p:sldId id="314" r:id="rId21"/>
-    <p:sldId id="304" r:id="rId22"/>
-    <p:sldId id="296" r:id="rId23"/>
-    <p:sldId id="305" r:id="rId24"/>
-    <p:sldId id="306" r:id="rId25"/>
-    <p:sldId id="300" r:id="rId26"/>
-    <p:sldId id="301" r:id="rId27"/>
-    <p:sldId id="307" r:id="rId28"/>
-    <p:sldId id="302" r:id="rId29"/>
-    <p:sldId id="303" r:id="rId30"/>
-    <p:sldId id="297" r:id="rId31"/>
-    <p:sldId id="311" r:id="rId32"/>
-    <p:sldId id="318" r:id="rId33"/>
-    <p:sldId id="323" r:id="rId34"/>
-    <p:sldId id="315" r:id="rId35"/>
-    <p:sldId id="322" r:id="rId36"/>
+    <p:sldId id="324" r:id="rId12"/>
+    <p:sldId id="309" r:id="rId13"/>
+    <p:sldId id="310" r:id="rId14"/>
+    <p:sldId id="321" r:id="rId15"/>
+    <p:sldId id="293" r:id="rId16"/>
+    <p:sldId id="295" r:id="rId17"/>
+    <p:sldId id="312" r:id="rId18"/>
+    <p:sldId id="317" r:id="rId19"/>
+    <p:sldId id="319" r:id="rId20"/>
+    <p:sldId id="320" r:id="rId21"/>
+    <p:sldId id="314" r:id="rId22"/>
+    <p:sldId id="304" r:id="rId23"/>
+    <p:sldId id="296" r:id="rId24"/>
+    <p:sldId id="305" r:id="rId25"/>
+    <p:sldId id="306" r:id="rId26"/>
+    <p:sldId id="300" r:id="rId27"/>
+    <p:sldId id="301" r:id="rId28"/>
+    <p:sldId id="307" r:id="rId29"/>
+    <p:sldId id="302" r:id="rId30"/>
+    <p:sldId id="303" r:id="rId31"/>
+    <p:sldId id="297" r:id="rId32"/>
+    <p:sldId id="311" r:id="rId33"/>
+    <p:sldId id="318" r:id="rId34"/>
+    <p:sldId id="323" r:id="rId35"/>
+    <p:sldId id="315" r:id="rId36"/>
+    <p:sldId id="322" r:id="rId37"/>
+    <p:sldId id="325" r:id="rId38"/>
   </p:sldIdLst>
   <p:sldSz cx="12190413" cy="6858000"/>
   <p:notesSz cx="6858000" cy="9144000"/>
   <p:custDataLst>
-    <p:tags r:id="rId39"/>
+    <p:tags r:id="rId41"/>
   </p:custDataLst>
   <p:defaultTextStyle>
     <a:defPPr>
@@ -8918,6 +8920,307 @@
           <a:chExt cx="0" cy="0"/>
         </a:xfrm>
       </p:grpSpPr>
+      <p:sp>
+        <p:nvSpPr>
+          <p:cNvPr id="2" name="Title 1">
+            <a:extLst>
+              <a:ext uri="{FF2B5EF4-FFF2-40B4-BE49-F238E27FC236}">
+                <a16:creationId xmlns:a16="http://schemas.microsoft.com/office/drawing/2014/main" id="{FE12CC59-53BC-42B2-8617-26A129190C9C}"/>
+              </a:ext>
+            </a:extLst>
+          </p:cNvPr>
+          <p:cNvSpPr>
+            <a:spLocks noGrp="1"/>
+          </p:cNvSpPr>
+          <p:nvPr>
+            <p:ph type="title"/>
+          </p:nvPr>
+        </p:nvSpPr>
+        <p:spPr/>
+        <p:txBody>
+          <a:bodyPr/>
+          <a:lstStyle/>
+          <a:p>
+            <a:r>
+              <a:rPr lang="en-GB" dirty="0"/>
+              <a:t>Exercise: Transition Strategy</a:t>
+            </a:r>
+          </a:p>
+        </p:txBody>
+      </p:sp>
+      <p:sp>
+        <p:nvSpPr>
+          <p:cNvPr id="3" name="Content Placeholder 2">
+            <a:extLst>
+              <a:ext uri="{FF2B5EF4-FFF2-40B4-BE49-F238E27FC236}">
+                <a16:creationId xmlns:a16="http://schemas.microsoft.com/office/drawing/2014/main" id="{1970B8F2-BB19-4416-B4D5-74792D16A9E1}"/>
+              </a:ext>
+            </a:extLst>
+          </p:cNvPr>
+          <p:cNvSpPr>
+            <a:spLocks noGrp="1"/>
+          </p:cNvSpPr>
+          <p:nvPr>
+            <p:ph idx="1"/>
+          </p:nvPr>
+        </p:nvSpPr>
+        <p:spPr/>
+        <p:txBody>
+          <a:bodyPr/>
+          <a:lstStyle/>
+          <a:p>
+            <a:r>
+              <a:rPr lang="en-GB" dirty="0"/>
+              <a:t>Comparison between DTU Controller and NREL Controller</a:t>
+            </a:r>
+          </a:p>
+          <a:p>
+            <a:endParaRPr lang="en-GB" dirty="0"/>
+          </a:p>
+        </p:txBody>
+      </p:sp>
+      <p:sp>
+        <p:nvSpPr>
+          <p:cNvPr id="4" name="Slide Number Placeholder 3">
+            <a:extLst>
+              <a:ext uri="{FF2B5EF4-FFF2-40B4-BE49-F238E27FC236}">
+                <a16:creationId xmlns:a16="http://schemas.microsoft.com/office/drawing/2014/main" id="{E0584243-3632-4D15-B2CA-3279EA1F7758}"/>
+              </a:ext>
+            </a:extLst>
+          </p:cNvPr>
+          <p:cNvSpPr>
+            <a:spLocks noGrp="1"/>
+          </p:cNvSpPr>
+          <p:nvPr>
+            <p:ph type="sldNum" sz="quarter" idx="11"/>
+          </p:nvPr>
+        </p:nvSpPr>
+        <p:spPr/>
+        <p:txBody>
+          <a:bodyPr/>
+          <a:lstStyle/>
+          <a:p>
+            <a:fld id="{103EA872-A674-449B-A120-B97244F8E91D}" type="slidenum">
+              <a:rPr lang="en-GB" smtClean="0"/>
+              <a:pPr/>
+              <a:t>10</a:t>
+            </a:fld>
+            <a:endParaRPr lang="en-GB" dirty="0"/>
+          </a:p>
+        </p:txBody>
+      </p:sp>
+      <p:sp>
+        <p:nvSpPr>
+          <p:cNvPr id="5" name="Rektangel 15">
+            <a:extLst>
+              <a:ext uri="{FF2B5EF4-FFF2-40B4-BE49-F238E27FC236}">
+                <a16:creationId xmlns:a16="http://schemas.microsoft.com/office/drawing/2014/main" id="{72198F69-E69E-47D3-BBA5-AE69EA8EB812}"/>
+              </a:ext>
+            </a:extLst>
+          </p:cNvPr>
+          <p:cNvSpPr/>
+          <p:nvPr/>
+        </p:nvSpPr>
+        <p:spPr bwMode="auto">
+          <a:xfrm>
+            <a:off x="731497" y="3645024"/>
+            <a:ext cx="10656388" cy="1901066"/>
+          </a:xfrm>
+          <a:prstGeom prst="rect">
+            <a:avLst/>
+          </a:prstGeom>
+          <a:ln>
+            <a:headEnd type="none" w="med" len="med"/>
+            <a:tailEnd type="none" w="med" len="med"/>
+          </a:ln>
+        </p:spPr>
+        <p:style>
+          <a:lnRef idx="3">
+            <a:schemeClr val="lt1"/>
+          </a:lnRef>
+          <a:fillRef idx="1">
+            <a:schemeClr val="accent1"/>
+          </a:fillRef>
+          <a:effectRef idx="1">
+            <a:schemeClr val="accent1"/>
+          </a:effectRef>
+          <a:fontRef idx="minor">
+            <a:schemeClr val="lt1"/>
+          </a:fontRef>
+        </p:style>
+        <p:txBody>
+          <a:bodyPr vert="horz" wrap="square" lIns="144000" tIns="144000" rIns="144000" bIns="108000" numCol="1" rtlCol="0" anchor="t" anchorCtr="0" compatLnSpc="1">
+            <a:prstTxWarp prst="textNoShape">
+              <a:avLst/>
+            </a:prstTxWarp>
+            <a:spAutoFit/>
+          </a:bodyPr>
+          <a:lstStyle/>
+          <a:p>
+            <a:pPr>
+              <a:spcBef>
+                <a:spcPts val="1800"/>
+              </a:spcBef>
+            </a:pPr>
+            <a:r>
+              <a:rPr lang="en-GB" sz="2000" dirty="0">
+                <a:solidFill>
+                  <a:schemeClr val="bg1"/>
+                </a:solidFill>
+                <a:latin typeface="Arial Rounded MT Bold" panose="020F0704030504030204" pitchFamily="34" charset="0"/>
+                <a:ea typeface="ＭＳ Ｐゴシック" pitchFamily="-80" charset="-128"/>
+              </a:rPr>
+              <a:t>Exercise: </a:t>
+            </a:r>
+            <a:r>
+              <a:rPr lang="en-US" sz="2000" dirty="0">
+                <a:solidFill>
+                  <a:schemeClr val="bg1"/>
+                </a:solidFill>
+                <a:latin typeface="Arial Rounded MT Bold" panose="020F0704030504030204" pitchFamily="34" charset="0"/>
+                <a:ea typeface="ＭＳ Ｐゴシック" pitchFamily="-80" charset="-128"/>
+              </a:rPr>
+              <a:t>Comparison between DTU Controller and NREL Controller</a:t>
+            </a:r>
+            <a:endParaRPr kumimoji="0" lang="en-GB" sz="2000" b="0" i="0" u="none" strike="noStrike" cap="none" normalizeH="0" baseline="0" dirty="0">
+              <a:ln>
+                <a:noFill/>
+              </a:ln>
+              <a:solidFill>
+                <a:schemeClr val="bg1"/>
+              </a:solidFill>
+              <a:effectLst/>
+              <a:latin typeface="Arial Rounded MT Bold" panose="020F0704030504030204" pitchFamily="34" charset="0"/>
+              <a:ea typeface="ＭＳ Ｐゴシック" pitchFamily="-80" charset="-128"/>
+            </a:endParaRPr>
+          </a:p>
+          <a:p>
+            <a:pPr marL="514350" indent="-514350">
+              <a:spcBef>
+                <a:spcPts val="600"/>
+              </a:spcBef>
+              <a:buFont typeface="+mj-lt"/>
+              <a:buAutoNum type="arabicPeriod"/>
+            </a:pPr>
+            <a:r>
+              <a:rPr lang="en-US" sz="1800" dirty="0">
+                <a:solidFill>
+                  <a:schemeClr val="bg1"/>
+                </a:solidFill>
+                <a:latin typeface="Arial Rounded MT Bold" panose="020F0704030504030204" pitchFamily="34" charset="0"/>
+                <a:ea typeface="ＭＳ Ｐゴシック" pitchFamily="-80" charset="-128"/>
+              </a:rPr>
+              <a:t>Open Part_6.m</a:t>
+            </a:r>
+            <a:endParaRPr kumimoji="0" lang="en-GB" sz="1800" b="0" i="0" u="none" strike="noStrike" cap="none" normalizeH="0" baseline="0" dirty="0">
+              <a:ln>
+                <a:noFill/>
+              </a:ln>
+              <a:solidFill>
+                <a:schemeClr val="bg1"/>
+              </a:solidFill>
+              <a:effectLst/>
+              <a:latin typeface="Arial Rounded MT Bold" panose="020F0704030504030204" pitchFamily="34" charset="0"/>
+              <a:ea typeface="ＭＳ Ｐゴシック" pitchFamily="-80" charset="-128"/>
+            </a:endParaRPr>
+          </a:p>
+          <a:p>
+            <a:pPr marL="514350" indent="-514350">
+              <a:spcBef>
+                <a:spcPts val="600"/>
+              </a:spcBef>
+              <a:buFont typeface="+mj-lt"/>
+              <a:buAutoNum type="arabicPeriod"/>
+            </a:pPr>
+            <a:r>
+              <a:rPr lang="en-US" sz="1800" dirty="0">
+                <a:solidFill>
+                  <a:schemeClr val="bg1"/>
+                </a:solidFill>
+                <a:latin typeface="Arial Rounded MT Bold" panose="020F0704030504030204" pitchFamily="34" charset="0"/>
+                <a:ea typeface="ＭＳ Ｐゴシック" pitchFamily="-80" charset="-128"/>
+              </a:rPr>
+              <a:t>Run the script to perform a step wind speed simulation. What do you see?</a:t>
+            </a:r>
+          </a:p>
+          <a:p>
+            <a:pPr marL="514350" indent="-514350">
+              <a:spcBef>
+                <a:spcPts val="600"/>
+              </a:spcBef>
+              <a:buFont typeface="+mj-lt"/>
+              <a:buAutoNum type="arabicPeriod"/>
+            </a:pPr>
+            <a:r>
+              <a:rPr lang="en-US" sz="1800" dirty="0">
+                <a:solidFill>
+                  <a:schemeClr val="bg1"/>
+                </a:solidFill>
+                <a:latin typeface="Arial Rounded MT Bold" panose="020F0704030504030204" pitchFamily="34" charset="0"/>
+                <a:ea typeface="ＭＳ Ｐゴシック" pitchFamily="-80" charset="-128"/>
+              </a:rPr>
+              <a:t>Perform a turbulent wind simulation (</a:t>
+            </a:r>
+            <a:r>
+              <a:rPr lang="en-US" sz="1800" dirty="0" err="1">
+                <a:solidFill>
+                  <a:schemeClr val="bg1"/>
+                </a:solidFill>
+                <a:latin typeface="Arial Rounded MT Bold" panose="020F0704030504030204" pitchFamily="34" charset="0"/>
+                <a:ea typeface="ＭＳ Ｐゴシック" pitchFamily="-80" charset="-128"/>
+              </a:rPr>
+              <a:t>wind_no</a:t>
+            </a:r>
+            <a:r>
+              <a:rPr lang="en-US" sz="1800" dirty="0">
+                <a:solidFill>
+                  <a:schemeClr val="bg1"/>
+                </a:solidFill>
+                <a:latin typeface="Arial Rounded MT Bold" panose="020F0704030504030204" pitchFamily="34" charset="0"/>
+                <a:ea typeface="ＭＳ Ｐゴシック" pitchFamily="-80" charset="-128"/>
+              </a:rPr>
+              <a:t>  = 3). Which one generates more energy? How about the tower loads (displacement)?</a:t>
+            </a:r>
+            <a:endParaRPr lang="en-GB" sz="1800" dirty="0">
+              <a:solidFill>
+                <a:schemeClr val="bg1"/>
+              </a:solidFill>
+              <a:latin typeface="Arial Rounded MT Bold" panose="020F0704030504030204" pitchFamily="34" charset="0"/>
+              <a:ea typeface="ＭＳ Ｐゴシック" pitchFamily="-80" charset="-128"/>
+            </a:endParaRPr>
+          </a:p>
+        </p:txBody>
+      </p:sp>
+    </p:spTree>
+    <p:extLst>
+      <p:ext uri="{BB962C8B-B14F-4D97-AF65-F5344CB8AC3E}">
+        <p14:creationId xmlns:p14="http://schemas.microsoft.com/office/powerpoint/2010/main" val="2541362834"/>
+      </p:ext>
+    </p:extLst>
+  </p:cSld>
+  <p:clrMapOvr>
+    <a:masterClrMapping/>
+  </p:clrMapOvr>
+</p:sld>
+</file>
+
+<file path=ppt/slides/slide11.xml><?xml version="1.0" encoding="utf-8"?>
+<p:sld xmlns:a="http://schemas.openxmlformats.org/drawingml/2006/main" xmlns:r="http://schemas.openxmlformats.org/officeDocument/2006/relationships" xmlns:p="http://schemas.openxmlformats.org/presentationml/2006/main">
+  <p:cSld>
+    <p:spTree>
+      <p:nvGrpSpPr>
+        <p:cNvPr id="1" name=""/>
+        <p:cNvGrpSpPr/>
+        <p:nvPr/>
+      </p:nvGrpSpPr>
+      <p:grpSpPr>
+        <a:xfrm>
+          <a:off x="0" y="0"/>
+          <a:ext cx="0" cy="0"/>
+          <a:chOff x="0" y="0"/>
+          <a:chExt cx="0" cy="0"/>
+        </a:xfrm>
+      </p:grpSpPr>
       <p:pic>
         <p:nvPicPr>
           <p:cNvPr id="8" name="Content Placeholder 7">
@@ -8974,7 +9277,7 @@
             <a:fld id="{103EA872-A674-449B-A120-B97244F8E91D}" type="slidenum">
               <a:rPr lang="en-GB" smtClean="0"/>
               <a:pPr/>
-              <a:t>10</a:t>
+              <a:t>11</a:t>
             </a:fld>
             <a:endParaRPr lang="en-GB" dirty="0"/>
           </a:p>
@@ -9431,7 +9734,7 @@
 </p:sld>
 </file>
 
-<file path=ppt/slides/slide11.xml><?xml version="1.0" encoding="utf-8"?>
+<file path=ppt/slides/slide12.xml><?xml version="1.0" encoding="utf-8"?>
 <p:sld xmlns:a="http://schemas.openxmlformats.org/drawingml/2006/main" xmlns:r="http://schemas.openxmlformats.org/officeDocument/2006/relationships" xmlns:p="http://schemas.openxmlformats.org/presentationml/2006/main">
   <p:cSld>
     <p:spTree>
@@ -9477,8 +9780,8 @@
           </a:p>
         </p:txBody>
       </p:sp>
-      <mc:AlternateContent xmlns:mc="http://schemas.openxmlformats.org/markup-compatibility/2006">
-        <mc:Choice xmlns:a14="http://schemas.microsoft.com/office/drawing/2010/main" Requires="a14">
+      <mc:AlternateContent xmlns:mc="http://schemas.openxmlformats.org/markup-compatibility/2006" xmlns:a14="http://schemas.microsoft.com/office/drawing/2010/main">
+        <mc:Choice Requires="a14">
           <p:sp>
             <p:nvSpPr>
               <p:cNvPr id="3" name="Content Placeholder 2">
@@ -9514,7 +9817,7 @@
                     <m:sSub>
                       <m:sSubPr>
                         <m:ctrlPr>
-                          <a:rPr lang="en-US" b="0" i="0" dirty="0" smtClean="0">
+                          <a:rPr lang="en-US" b="0" i="1" dirty="0" smtClean="0">
                             <a:latin typeface="Cambria Math" panose="02040503050406030204" pitchFamily="18" charset="0"/>
                           </a:rPr>
                         </m:ctrlPr>
@@ -9542,7 +9845,7 @@
                     <m:sSup>
                       <m:sSupPr>
                         <m:ctrlPr>
-                          <a:rPr lang="en-US" b="0" i="0" dirty="0" smtClean="0">
+                          <a:rPr lang="en-US" b="0" i="1" dirty="0" smtClean="0">
                             <a:latin typeface="Cambria Math" panose="02040503050406030204" pitchFamily="18" charset="0"/>
                           </a:rPr>
                         </m:ctrlPr>
@@ -9981,7 +10284,7 @@
             </p:txBody>
           </p:sp>
         </mc:Choice>
-        <mc:Fallback>
+        <mc:Fallback xmlns="">
           <p:sp>
             <p:nvSpPr>
               <p:cNvPr id="3" name="Content Placeholder 2">
@@ -10049,7 +10352,7 @@
             <a:fld id="{103EA872-A674-449B-A120-B97244F8E91D}" type="slidenum">
               <a:rPr lang="en-GB" smtClean="0"/>
               <a:pPr/>
-              <a:t>11</a:t>
+              <a:t>12</a:t>
             </a:fld>
             <a:endParaRPr lang="en-GB" dirty="0"/>
           </a:p>
@@ -10302,8 +10605,8 @@
           </a:p>
         </p:txBody>
       </p:sp>
-      <mc:AlternateContent xmlns:mc="http://schemas.openxmlformats.org/markup-compatibility/2006">
-        <mc:Choice xmlns:a14="http://schemas.microsoft.com/office/drawing/2010/main" Requires="a14">
+      <mc:AlternateContent xmlns:mc="http://schemas.openxmlformats.org/markup-compatibility/2006" xmlns:a14="http://schemas.microsoft.com/office/drawing/2010/main">
+        <mc:Choice Requires="a14">
           <p:sp>
             <p:nvSpPr>
               <p:cNvPr id="9" name="TextBox 8">
@@ -10406,7 +10709,7 @@
             </p:txBody>
           </p:sp>
         </mc:Choice>
-        <mc:Fallback>
+        <mc:Fallback xmlns="">
           <p:sp>
             <p:nvSpPr>
               <p:cNvPr id="9" name="TextBox 8">
@@ -10537,8 +10840,8 @@
           </a:fontRef>
         </p:style>
       </p:cxnSp>
-      <mc:AlternateContent xmlns:mc="http://schemas.openxmlformats.org/markup-compatibility/2006">
-        <mc:Choice xmlns:a14="http://schemas.microsoft.com/office/drawing/2010/main" Requires="a14">
+      <mc:AlternateContent xmlns:mc="http://schemas.openxmlformats.org/markup-compatibility/2006" xmlns:a14="http://schemas.microsoft.com/office/drawing/2010/main">
+        <mc:Choice Requires="a14">
           <p:sp>
             <p:nvSpPr>
               <p:cNvPr id="19" name="TextBox 18">
@@ -10622,7 +10925,7 @@
             </p:txBody>
           </p:sp>
         </mc:Choice>
-        <mc:Fallback>
+        <mc:Fallback xmlns="">
           <p:sp>
             <p:nvSpPr>
               <p:cNvPr id="19" name="TextBox 18">
@@ -10667,8 +10970,8 @@
           </p:sp>
         </mc:Fallback>
       </mc:AlternateContent>
-      <mc:AlternateContent xmlns:mc="http://schemas.openxmlformats.org/markup-compatibility/2006">
-        <mc:Choice xmlns:a14="http://schemas.microsoft.com/office/drawing/2010/main" Requires="a14">
+      <mc:AlternateContent xmlns:mc="http://schemas.openxmlformats.org/markup-compatibility/2006" xmlns:a14="http://schemas.microsoft.com/office/drawing/2010/main">
+        <mc:Choice Requires="a14">
           <p:sp>
             <p:nvSpPr>
               <p:cNvPr id="20" name="Rectangle 19">
@@ -10749,7 +11052,7 @@
             </p:txBody>
           </p:sp>
         </mc:Choice>
-        <mc:Fallback>
+        <mc:Fallback xmlns="">
           <p:sp>
             <p:nvSpPr>
               <p:cNvPr id="20" name="Rectangle 19">
@@ -10794,8 +11097,8 @@
           </p:sp>
         </mc:Fallback>
       </mc:AlternateContent>
-      <mc:AlternateContent xmlns:mc="http://schemas.openxmlformats.org/markup-compatibility/2006">
-        <mc:Choice xmlns:a14="http://schemas.microsoft.com/office/drawing/2010/main" Requires="a14">
+      <mc:AlternateContent xmlns:mc="http://schemas.openxmlformats.org/markup-compatibility/2006" xmlns:a14="http://schemas.microsoft.com/office/drawing/2010/main">
+        <mc:Choice Requires="a14">
           <p:sp>
             <p:nvSpPr>
               <p:cNvPr id="21" name="Rectangle 20">
@@ -10876,7 +11179,7 @@
             </p:txBody>
           </p:sp>
         </mc:Choice>
-        <mc:Fallback>
+        <mc:Fallback xmlns="">
           <p:sp>
             <p:nvSpPr>
               <p:cNvPr id="21" name="Rectangle 20">
@@ -10921,8 +11224,8 @@
           </p:sp>
         </mc:Fallback>
       </mc:AlternateContent>
-      <mc:AlternateContent xmlns:mc="http://schemas.openxmlformats.org/markup-compatibility/2006">
-        <mc:Choice xmlns:a14="http://schemas.microsoft.com/office/drawing/2010/main" Requires="a14">
+      <mc:AlternateContent xmlns:mc="http://schemas.openxmlformats.org/markup-compatibility/2006" xmlns:a14="http://schemas.microsoft.com/office/drawing/2010/main">
+        <mc:Choice Requires="a14">
           <p:sp>
             <p:nvSpPr>
               <p:cNvPr id="22" name="Rectangle 21">
@@ -11003,7 +11306,7 @@
             </p:txBody>
           </p:sp>
         </mc:Choice>
-        <mc:Fallback>
+        <mc:Fallback xmlns="">
           <p:sp>
             <p:nvSpPr>
               <p:cNvPr id="22" name="Rectangle 21">
@@ -11325,7 +11628,7 @@
 </p:sld>
 </file>
 
-<file path=ppt/slides/slide12.xml><?xml version="1.0" encoding="utf-8"?>
+<file path=ppt/slides/slide13.xml><?xml version="1.0" encoding="utf-8"?>
 <p:sld xmlns:a="http://schemas.openxmlformats.org/drawingml/2006/main" xmlns:r="http://schemas.openxmlformats.org/officeDocument/2006/relationships" xmlns:p="http://schemas.openxmlformats.org/presentationml/2006/main">
   <p:cSld>
     <p:spTree>
@@ -11427,7 +11730,7 @@
             <a:fld id="{103EA872-A674-449B-A120-B97244F8E91D}" type="slidenum">
               <a:rPr lang="en-GB" smtClean="0"/>
               <a:pPr/>
-              <a:t>12</a:t>
+              <a:t>13</a:t>
             </a:fld>
             <a:endParaRPr lang="en-GB" dirty="0"/>
           </a:p>
@@ -11773,7 +12076,7 @@
 </p:sld>
 </file>
 
-<file path=ppt/slides/slide13.xml><?xml version="1.0" encoding="utf-8"?>
+<file path=ppt/slides/slide14.xml><?xml version="1.0" encoding="utf-8"?>
 <p:sld xmlns:a="http://schemas.openxmlformats.org/drawingml/2006/main" xmlns:r="http://schemas.openxmlformats.org/officeDocument/2006/relationships" xmlns:p="http://schemas.openxmlformats.org/presentationml/2006/main">
   <p:cSld>
     <p:spTree>
@@ -11868,7 +12171,7 @@
             <a:fld id="{103EA872-A674-449B-A120-B97244F8E91D}" type="slidenum">
               <a:rPr lang="en-GB" smtClean="0"/>
               <a:pPr/>
-              <a:t>13</a:t>
+              <a:t>14</a:t>
             </a:fld>
             <a:endParaRPr lang="en-GB" dirty="0"/>
           </a:p>
@@ -12068,7 +12371,7 @@
 </p:sld>
 </file>
 
-<file path=ppt/slides/slide14.xml><?xml version="1.0" encoding="utf-8"?>
+<file path=ppt/slides/slide15.xml><?xml version="1.0" encoding="utf-8"?>
 <p:sld xmlns:a="http://schemas.openxmlformats.org/drawingml/2006/main" xmlns:r="http://schemas.openxmlformats.org/officeDocument/2006/relationships" xmlns:p="http://schemas.openxmlformats.org/presentationml/2006/main">
   <p:cSld>
     <p:spTree>
@@ -12114,8 +12417,8 @@
           </a:p>
         </p:txBody>
       </p:sp>
-      <mc:AlternateContent xmlns:mc="http://schemas.openxmlformats.org/markup-compatibility/2006">
-        <mc:Choice xmlns:a14="http://schemas.microsoft.com/office/drawing/2010/main" Requires="a14">
+      <mc:AlternateContent xmlns:mc="http://schemas.openxmlformats.org/markup-compatibility/2006" xmlns:a14="http://schemas.microsoft.com/office/drawing/2010/main">
+        <mc:Choice Requires="a14">
           <p:sp>
             <p:nvSpPr>
               <p:cNvPr id="3" name="Content Placeholder 2">
@@ -12318,7 +12621,7 @@
             </p:txBody>
           </p:sp>
         </mc:Choice>
-        <mc:Fallback>
+        <mc:Fallback xmlns="">
           <p:sp>
             <p:nvSpPr>
               <p:cNvPr id="3" name="Content Placeholder 2">
@@ -12382,7 +12685,7 @@
             <a:fld id="{103EA872-A674-449B-A120-B97244F8E91D}" type="slidenum">
               <a:rPr lang="en-GB" smtClean="0"/>
               <a:pPr/>
-              <a:t>14</a:t>
+              <a:t>15</a:t>
             </a:fld>
             <a:endParaRPr lang="en-GB" dirty="0"/>
           </a:p>
@@ -12637,7 +12940,7 @@
 </p:sld>
 </file>
 
-<file path=ppt/slides/slide15.xml><?xml version="1.0" encoding="utf-8"?>
+<file path=ppt/slides/slide16.xml><?xml version="1.0" encoding="utf-8"?>
 <p:sld xmlns:a="http://schemas.openxmlformats.org/drawingml/2006/main" xmlns:r="http://schemas.openxmlformats.org/officeDocument/2006/relationships" xmlns:p="http://schemas.openxmlformats.org/presentationml/2006/main">
   <p:cSld>
     <p:spTree>
@@ -12875,7 +13178,7 @@
             <a:fld id="{103EA872-A674-449B-A120-B97244F8E91D}" type="slidenum">
               <a:rPr lang="en-GB" smtClean="0"/>
               <a:pPr/>
-              <a:t>15</a:t>
+              <a:t>16</a:t>
             </a:fld>
             <a:endParaRPr lang="en-GB" dirty="0"/>
           </a:p>
@@ -12947,8 +13250,8 @@
           </a:prstGeom>
         </p:spPr>
       </p:pic>
-      <mc:AlternateContent xmlns:mc="http://schemas.openxmlformats.org/markup-compatibility/2006">
-        <mc:Choice xmlns:a14="http://schemas.microsoft.com/office/drawing/2010/main" Requires="a14">
+      <mc:AlternateContent xmlns:mc="http://schemas.openxmlformats.org/markup-compatibility/2006" xmlns:a14="http://schemas.microsoft.com/office/drawing/2010/main">
+        <mc:Choice Requires="a14">
           <p:sp>
             <p:nvSpPr>
               <p:cNvPr id="9" name="Rectangle 8">
@@ -12976,6 +13279,7 @@
               </a:bodyPr>
               <a:lstStyle/>
               <a:p>
+                <a:pPr/>
                 <a14:m>
                   <m:oMathPara xmlns:m="http://schemas.openxmlformats.org/officeDocument/2006/math">
                     <m:oMathParaPr>
@@ -13015,7 +13319,7 @@
             </p:txBody>
           </p:sp>
         </mc:Choice>
-        <mc:Fallback>
+        <mc:Fallback xmlns="">
           <p:sp>
             <p:nvSpPr>
               <p:cNvPr id="9" name="Rectangle 8">
@@ -13060,8 +13364,8 @@
           </p:sp>
         </mc:Fallback>
       </mc:AlternateContent>
-      <mc:AlternateContent xmlns:mc="http://schemas.openxmlformats.org/markup-compatibility/2006">
-        <mc:Choice xmlns:a14="http://schemas.microsoft.com/office/drawing/2010/main" Requires="a14">
+      <mc:AlternateContent xmlns:mc="http://schemas.openxmlformats.org/markup-compatibility/2006" xmlns:a14="http://schemas.microsoft.com/office/drawing/2010/main">
+        <mc:Choice Requires="a14">
           <p:sp>
             <p:nvSpPr>
               <p:cNvPr id="10" name="Rectangle: Rounded Corners 9">
@@ -13204,7 +13508,7 @@
             </p:txBody>
           </p:sp>
         </mc:Choice>
-        <mc:Fallback>
+        <mc:Fallback xmlns="">
           <p:sp>
             <p:nvSpPr>
               <p:cNvPr id="10" name="Rectangle: Rounded Corners 9">
@@ -13283,7 +13587,7 @@
 </p:sld>
 </file>
 
-<file path=ppt/slides/slide16.xml><?xml version="1.0" encoding="utf-8"?>
+<file path=ppt/slides/slide17.xml><?xml version="1.0" encoding="utf-8"?>
 <p:sld xmlns:a="http://schemas.openxmlformats.org/drawingml/2006/main" xmlns:r="http://schemas.openxmlformats.org/officeDocument/2006/relationships" xmlns:p="http://schemas.openxmlformats.org/presentationml/2006/main">
   <p:cSld>
     <p:spTree>
@@ -13300,8 +13604,8 @@
           <a:chExt cx="0" cy="0"/>
         </a:xfrm>
       </p:grpSpPr>
-      <mc:AlternateContent xmlns:mc="http://schemas.openxmlformats.org/markup-compatibility/2006">
-        <mc:Choice xmlns:a14="http://schemas.microsoft.com/office/drawing/2010/main" Requires="a14">
+      <mc:AlternateContent xmlns:mc="http://schemas.openxmlformats.org/markup-compatibility/2006" xmlns:a14="http://schemas.microsoft.com/office/drawing/2010/main">
+        <mc:Choice Requires="a14">
           <p:sp>
             <p:nvSpPr>
               <p:cNvPr id="10" name="Content Placeholder 9">
@@ -13769,7 +14073,7 @@
             </p:txBody>
           </p:sp>
         </mc:Choice>
-        <mc:Fallback>
+        <mc:Fallback xmlns="">
           <p:sp>
             <p:nvSpPr>
               <p:cNvPr id="10" name="Content Placeholder 9">
@@ -13872,7 +14176,7 @@
             <a:fld id="{103EA872-A674-449B-A120-B97244F8E91D}" type="slidenum">
               <a:rPr lang="en-GB" smtClean="0"/>
               <a:pPr/>
-              <a:t>16</a:t>
+              <a:t>17</a:t>
             </a:fld>
             <a:endParaRPr lang="en-GB" dirty="0"/>
           </a:p>
@@ -13986,8 +14290,8 @@
           </a:prstGeom>
         </p:spPr>
       </p:pic>
-      <mc:AlternateContent xmlns:mc="http://schemas.openxmlformats.org/markup-compatibility/2006">
-        <mc:Choice xmlns:a14="http://schemas.microsoft.com/office/drawing/2010/main" Requires="a14">
+      <mc:AlternateContent xmlns:mc="http://schemas.openxmlformats.org/markup-compatibility/2006" xmlns:a14="http://schemas.microsoft.com/office/drawing/2010/main">
+        <mc:Choice Requires="a14">
           <p:sp>
             <p:nvSpPr>
               <p:cNvPr id="9" name="Rectangle 8">
@@ -14015,6 +14319,7 @@
               </a:bodyPr>
               <a:lstStyle/>
               <a:p>
+                <a:pPr/>
                 <a14:m>
                   <m:oMathPara xmlns:m="http://schemas.openxmlformats.org/officeDocument/2006/math">
                     <m:oMathParaPr>
@@ -14054,7 +14359,7 @@
             </p:txBody>
           </p:sp>
         </mc:Choice>
-        <mc:Fallback>
+        <mc:Fallback xmlns="">
           <p:sp>
             <p:nvSpPr>
               <p:cNvPr id="9" name="Rectangle 8">
@@ -14202,7 +14507,7 @@
 </p:sld>
 </file>
 
-<file path=ppt/slides/slide17.xml><?xml version="1.0" encoding="utf-8"?>
+<file path=ppt/slides/slide18.xml><?xml version="1.0" encoding="utf-8"?>
 <p:sld xmlns:a="http://schemas.openxmlformats.org/drawingml/2006/main" xmlns:r="http://schemas.openxmlformats.org/officeDocument/2006/relationships" xmlns:p="http://schemas.openxmlformats.org/presentationml/2006/main">
   <p:cSld>
     <p:spTree>
@@ -14305,7 +14610,7 @@
             <a:fld id="{103EA872-A674-449B-A120-B97244F8E91D}" type="slidenum">
               <a:rPr lang="en-GB" smtClean="0"/>
               <a:pPr/>
-              <a:t>17</a:t>
+              <a:t>18</a:t>
             </a:fld>
             <a:endParaRPr lang="en-GB" dirty="0"/>
           </a:p>
@@ -14625,7 +14930,7 @@
 </p:sld>
 </file>
 
-<file path=ppt/slides/slide18.xml><?xml version="1.0" encoding="utf-8"?>
+<file path=ppt/slides/slide19.xml><?xml version="1.0" encoding="utf-8"?>
 <p:sld xmlns:a="http://schemas.openxmlformats.org/drawingml/2006/main" xmlns:r="http://schemas.openxmlformats.org/officeDocument/2006/relationships" xmlns:p="http://schemas.openxmlformats.org/presentationml/2006/main">
   <p:cSld>
     <p:spTree>
@@ -14674,8 +14979,8 @@
           </a:p>
         </p:txBody>
       </p:sp>
-      <mc:AlternateContent xmlns:mc="http://schemas.openxmlformats.org/markup-compatibility/2006">
-        <mc:Choice xmlns:a14="http://schemas.microsoft.com/office/drawing/2010/main" Requires="a14">
+      <mc:AlternateContent xmlns:mc="http://schemas.openxmlformats.org/markup-compatibility/2006" xmlns:a14="http://schemas.microsoft.com/office/drawing/2010/main">
+        <mc:Choice Requires="a14">
           <p:sp>
             <p:nvSpPr>
               <p:cNvPr id="3" name="Content Placeholder 2">
@@ -14855,7 +15160,7 @@
             </p:txBody>
           </p:sp>
         </mc:Choice>
-        <mc:Fallback>
+        <mc:Fallback xmlns="">
           <p:sp>
             <p:nvSpPr>
               <p:cNvPr id="3" name="Content Placeholder 2">
@@ -14919,7 +15224,7 @@
             <a:fld id="{103EA872-A674-449B-A120-B97244F8E91D}" type="slidenum">
               <a:rPr lang="en-GB" smtClean="0"/>
               <a:pPr/>
-              <a:t>18</a:t>
+              <a:t>19</a:t>
             </a:fld>
             <a:endParaRPr lang="en-GB" dirty="0"/>
           </a:p>
@@ -14980,468 +15285,6 @@
   <p:clrMapOvr>
     <a:masterClrMapping/>
   </p:clrMapOvr>
-</p:sld>
-</file>
-
-<file path=ppt/slides/slide19.xml><?xml version="1.0" encoding="utf-8"?>
-<p:sld xmlns:a="http://schemas.openxmlformats.org/drawingml/2006/main" xmlns:r="http://schemas.openxmlformats.org/officeDocument/2006/relationships" xmlns:p="http://schemas.openxmlformats.org/presentationml/2006/main">
-  <p:cSld>
-    <p:spTree>
-      <p:nvGrpSpPr>
-        <p:cNvPr id="1" name=""/>
-        <p:cNvGrpSpPr/>
-        <p:nvPr/>
-      </p:nvGrpSpPr>
-      <p:grpSpPr>
-        <a:xfrm>
-          <a:off x="0" y="0"/>
-          <a:ext cx="0" cy="0"/>
-          <a:chOff x="0" y="0"/>
-          <a:chExt cx="0" cy="0"/>
-        </a:xfrm>
-      </p:grpSpPr>
-      <p:sp>
-        <p:nvSpPr>
-          <p:cNvPr id="2" name="Title 1">
-            <a:extLst>
-              <a:ext uri="{FF2B5EF4-FFF2-40B4-BE49-F238E27FC236}">
-                <a16:creationId xmlns:a16="http://schemas.microsoft.com/office/drawing/2014/main" id="{9FF12B69-AF3E-4601-AD3C-2F8A76810AB6}"/>
-              </a:ext>
-            </a:extLst>
-          </p:cNvPr>
-          <p:cNvSpPr>
-            <a:spLocks noGrp="1"/>
-          </p:cNvSpPr>
-          <p:nvPr>
-            <p:ph type="title"/>
-          </p:nvPr>
-        </p:nvSpPr>
-        <p:spPr/>
-        <p:txBody>
-          <a:bodyPr/>
-          <a:lstStyle/>
-          <a:p>
-            <a:r>
-              <a:rPr lang="en-GB" dirty="0"/>
-              <a:t>DEL: </a:t>
-            </a:r>
-            <a:r>
-              <a:rPr lang="en-GB" dirty="0" err="1"/>
-              <a:t>Rainflow</a:t>
-            </a:r>
-            <a:r>
-              <a:rPr lang="en-GB" dirty="0"/>
-              <a:t> counting algorithm</a:t>
-            </a:r>
-          </a:p>
-        </p:txBody>
-      </p:sp>
-      <p:sp>
-        <p:nvSpPr>
-          <p:cNvPr id="3" name="Content Placeholder 2">
-            <a:extLst>
-              <a:ext uri="{FF2B5EF4-FFF2-40B4-BE49-F238E27FC236}">
-                <a16:creationId xmlns:a16="http://schemas.microsoft.com/office/drawing/2014/main" id="{65F58845-30C3-44D2-BD93-E8E9CD831068}"/>
-              </a:ext>
-            </a:extLst>
-          </p:cNvPr>
-          <p:cNvSpPr>
-            <a:spLocks noGrp="1"/>
-          </p:cNvSpPr>
-          <p:nvPr>
-            <p:ph idx="1"/>
-          </p:nvPr>
-        </p:nvSpPr>
-        <p:spPr>
-          <a:xfrm>
-            <a:off x="685006" y="1600200"/>
-            <a:ext cx="5029200" cy="4545578"/>
-          </a:xfrm>
-        </p:spPr>
-        <p:txBody>
-          <a:bodyPr/>
-          <a:lstStyle/>
-          <a:p>
-            <a:pPr marL="0" indent="0">
-              <a:lnSpc>
-                <a:spcPct val="150000"/>
-              </a:lnSpc>
-              <a:buNone/>
-            </a:pPr>
-            <a:r>
-              <a:rPr lang="en-GB" dirty="0"/>
-              <a:t>Rules:</a:t>
-            </a:r>
-          </a:p>
-          <a:p>
-            <a:pPr>
-              <a:lnSpc>
-                <a:spcPct val="150000"/>
-              </a:lnSpc>
-            </a:pPr>
-            <a:r>
-              <a:rPr lang="en-GB" dirty="0"/>
-              <a:t>Starting from valley</a:t>
-            </a:r>
-          </a:p>
-          <a:p>
-            <a:pPr lvl="1">
-              <a:lnSpc>
-                <a:spcPct val="150000"/>
-              </a:lnSpc>
-            </a:pPr>
-            <a:r>
-              <a:rPr lang="en-GB" dirty="0"/>
-              <a:t>If the </a:t>
-            </a:r>
-            <a:r>
-              <a:rPr lang="en-GB" b="1" dirty="0"/>
-              <a:t>sequent</a:t>
-            </a:r>
-            <a:r>
-              <a:rPr lang="en-GB" dirty="0"/>
-              <a:t> valley is </a:t>
-            </a:r>
-            <a:r>
-              <a:rPr lang="en-GB" i="1" dirty="0"/>
-              <a:t>lower</a:t>
-            </a:r>
-            <a:r>
-              <a:rPr lang="en-GB" dirty="0"/>
-              <a:t> than the </a:t>
-            </a:r>
-            <a:r>
-              <a:rPr lang="en-GB" b="1" dirty="0"/>
-              <a:t>starting</a:t>
-            </a:r>
-            <a:r>
-              <a:rPr lang="en-GB" dirty="0"/>
-              <a:t> valley, stop and count as ½ cycle</a:t>
-            </a:r>
-          </a:p>
-          <a:p>
-            <a:pPr lvl="1">
-              <a:lnSpc>
-                <a:spcPct val="150000"/>
-              </a:lnSpc>
-            </a:pPr>
-            <a:r>
-              <a:rPr lang="en-GB" dirty="0"/>
-              <a:t>If not, continue the flow</a:t>
-            </a:r>
-          </a:p>
-          <a:p>
-            <a:pPr>
-              <a:lnSpc>
-                <a:spcPct val="150000"/>
-              </a:lnSpc>
-            </a:pPr>
-            <a:r>
-              <a:rPr lang="en-GB" dirty="0"/>
-              <a:t>Starting from peak</a:t>
-            </a:r>
-          </a:p>
-          <a:p>
-            <a:pPr lvl="1">
-              <a:lnSpc>
-                <a:spcPct val="150000"/>
-              </a:lnSpc>
-            </a:pPr>
-            <a:r>
-              <a:rPr lang="en-GB" dirty="0"/>
-              <a:t>If the </a:t>
-            </a:r>
-            <a:r>
-              <a:rPr lang="en-GB" b="1" dirty="0"/>
-              <a:t>sequent</a:t>
-            </a:r>
-            <a:r>
-              <a:rPr lang="en-GB" dirty="0"/>
-              <a:t> peak is </a:t>
-            </a:r>
-            <a:r>
-              <a:rPr lang="en-GB" i="1" dirty="0"/>
-              <a:t>higher</a:t>
-            </a:r>
-            <a:r>
-              <a:rPr lang="en-GB" dirty="0"/>
-              <a:t> than the </a:t>
-            </a:r>
-            <a:r>
-              <a:rPr lang="en-GB" b="1" dirty="0"/>
-              <a:t>starting</a:t>
-            </a:r>
-            <a:r>
-              <a:rPr lang="en-GB" dirty="0"/>
-              <a:t> peak, stop and count as ½ cycle</a:t>
-            </a:r>
-          </a:p>
-          <a:p>
-            <a:pPr lvl="1">
-              <a:lnSpc>
-                <a:spcPct val="150000"/>
-              </a:lnSpc>
-            </a:pPr>
-            <a:r>
-              <a:rPr lang="en-GB" dirty="0"/>
-              <a:t>If not, continue the flow</a:t>
-            </a:r>
-          </a:p>
-          <a:p>
-            <a:pPr lvl="1">
-              <a:lnSpc>
-                <a:spcPct val="150000"/>
-              </a:lnSpc>
-            </a:pPr>
-            <a:endParaRPr lang="en-GB" dirty="0"/>
-          </a:p>
-        </p:txBody>
-      </p:sp>
-      <p:sp>
-        <p:nvSpPr>
-          <p:cNvPr id="4" name="Slide Number Placeholder 3">
-            <a:extLst>
-              <a:ext uri="{FF2B5EF4-FFF2-40B4-BE49-F238E27FC236}">
-                <a16:creationId xmlns:a16="http://schemas.microsoft.com/office/drawing/2014/main" id="{814991DE-001C-44E7-BF4D-E0F8368E8180}"/>
-              </a:ext>
-            </a:extLst>
-          </p:cNvPr>
-          <p:cNvSpPr>
-            <a:spLocks noGrp="1"/>
-          </p:cNvSpPr>
-          <p:nvPr>
-            <p:ph type="sldNum" sz="quarter" idx="11"/>
-          </p:nvPr>
-        </p:nvSpPr>
-        <p:spPr/>
-        <p:txBody>
-          <a:bodyPr/>
-          <a:lstStyle/>
-          <a:p>
-            <a:fld id="{103EA872-A674-449B-A120-B97244F8E91D}" type="slidenum">
-              <a:rPr lang="en-GB" smtClean="0"/>
-              <a:pPr/>
-              <a:t>19</a:t>
-            </a:fld>
-            <a:endParaRPr lang="en-GB" dirty="0"/>
-          </a:p>
-        </p:txBody>
-      </p:sp>
-      <p:pic>
-        <p:nvPicPr>
-          <p:cNvPr id="5" name="Picture 4">
-            <a:extLst>
-              <a:ext uri="{FF2B5EF4-FFF2-40B4-BE49-F238E27FC236}">
-                <a16:creationId xmlns:a16="http://schemas.microsoft.com/office/drawing/2014/main" id="{0CE49893-5C6F-43CF-BF15-A9BC6FCFA0F1}"/>
-              </a:ext>
-            </a:extLst>
-          </p:cNvPr>
-          <p:cNvPicPr>
-            <a:picLocks noChangeAspect="1"/>
-          </p:cNvPicPr>
-          <p:nvPr/>
-        </p:nvPicPr>
-        <p:blipFill>
-          <a:blip r:embed="rId2"/>
-          <a:stretch>
-            <a:fillRect/>
-          </a:stretch>
-        </p:blipFill>
-        <p:spPr>
-          <a:xfrm>
-            <a:off x="5409406" y="1979150"/>
-            <a:ext cx="6370348" cy="3178080"/>
-          </a:xfrm>
-          <a:prstGeom prst="rect">
-            <a:avLst/>
-          </a:prstGeom>
-        </p:spPr>
-      </p:pic>
-      <p:sp>
-        <p:nvSpPr>
-          <p:cNvPr id="7" name="Rectangle 6">
-            <a:extLst>
-              <a:ext uri="{FF2B5EF4-FFF2-40B4-BE49-F238E27FC236}">
-                <a16:creationId xmlns:a16="http://schemas.microsoft.com/office/drawing/2014/main" id="{B46BC847-AA54-46B2-A385-593CFFE1BDAD}"/>
-              </a:ext>
-            </a:extLst>
-          </p:cNvPr>
-          <p:cNvSpPr/>
-          <p:nvPr/>
-        </p:nvSpPr>
-        <p:spPr bwMode="auto">
-          <a:xfrm>
-            <a:off x="7673831" y="5585958"/>
-            <a:ext cx="4038600" cy="762000"/>
-          </a:xfrm>
-          <a:prstGeom prst="rect">
-            <a:avLst/>
-          </a:prstGeom>
-          <a:solidFill>
-            <a:schemeClr val="accent1"/>
-          </a:solidFill>
-          <a:ln w="9525" cap="flat" cmpd="sng" algn="ctr">
-            <a:solidFill>
-              <a:schemeClr val="accent1"/>
-            </a:solidFill>
-            <a:prstDash val="solid"/>
-            <a:miter lim="800000"/>
-            <a:headEnd type="none" w="med" len="med"/>
-            <a:tailEnd type="none" w="med" len="med"/>
-          </a:ln>
-          <a:effectLst/>
-          <a:extLst>
-            <a:ext uri="{AF507438-7753-43E0-B8FC-AC1667EBCBE1}">
-              <a14:hiddenEffects xmlns:a14="http://schemas.microsoft.com/office/drawing/2010/main">
-                <a:effectLst>
-                  <a:outerShdw dist="35921" dir="2700000" algn="ctr" rotWithShape="0">
-                    <a:schemeClr val="bg2"/>
-                  </a:outerShdw>
-                </a:effectLst>
-              </a14:hiddenEffects>
-            </a:ext>
-          </a:extLst>
-        </p:spPr>
-        <p:txBody>
-          <a:bodyPr vert="horz" wrap="square" lIns="90000" tIns="46800" rIns="90000" bIns="46800" numCol="1" rtlCol="0" anchor="ctr" anchorCtr="0" compatLnSpc="1">
-            <a:prstTxWarp prst="textNoShape">
-              <a:avLst/>
-            </a:prstTxWarp>
-          </a:bodyPr>
-          <a:lstStyle/>
-          <a:p>
-            <a:pPr marL="0" marR="0" indent="0" algn="ctr" defTabSz="914400" rtl="0" eaLnBrk="1" fontAlgn="base" latinLnBrk="0" hangingPunct="1">
-              <a:lnSpc>
-                <a:spcPct val="100000"/>
-              </a:lnSpc>
-              <a:spcBef>
-                <a:spcPts val="432"/>
-              </a:spcBef>
-              <a:spcAft>
-                <a:spcPct val="0"/>
-              </a:spcAft>
-              <a:buClrTx/>
-              <a:buSzTx/>
-              <a:buFontTx/>
-              <a:buNone/>
-              <a:tabLst/>
-            </a:pPr>
-            <a:r>
-              <a:rPr kumimoji="0" lang="en-US" sz="1600" b="0" i="0" u="none" strike="noStrike" cap="none" normalizeH="0" baseline="0" dirty="0">
-                <a:ln>
-                  <a:noFill/>
-                </a:ln>
-                <a:solidFill>
-                  <a:srgbClr val="FFFFFF"/>
-                </a:solidFill>
-                <a:effectLst/>
-                <a:latin typeface="+mn-lt"/>
-                <a:ea typeface="ＭＳ Ｐゴシック" pitchFamily="-80" charset="-128"/>
-              </a:rPr>
-              <a:t>There exists many other methods. All of them should give you the same results.</a:t>
-            </a:r>
-            <a:endParaRPr kumimoji="0" lang="en-GB" sz="1600" b="0" i="0" u="none" strike="noStrike" cap="none" normalizeH="0" baseline="0" dirty="0" err="1">
-              <a:ln>
-                <a:noFill/>
-              </a:ln>
-              <a:solidFill>
-                <a:srgbClr val="FFFFFF"/>
-              </a:solidFill>
-              <a:effectLst/>
-              <a:latin typeface="+mn-lt"/>
-              <a:ea typeface="ＭＳ Ｐゴシック" pitchFamily="-80" charset="-128"/>
-            </a:endParaRPr>
-          </a:p>
-        </p:txBody>
-      </p:sp>
-    </p:spTree>
-    <p:extLst>
-      <p:ext uri="{BB962C8B-B14F-4D97-AF65-F5344CB8AC3E}">
-        <p14:creationId xmlns:p14="http://schemas.microsoft.com/office/powerpoint/2010/main" val="959544739"/>
-      </p:ext>
-    </p:extLst>
-  </p:cSld>
-  <p:clrMapOvr>
-    <a:masterClrMapping/>
-  </p:clrMapOvr>
-  <p:timing>
-    <p:tnLst>
-      <p:par>
-        <p:cTn id="1" dur="indefinite" restart="never" nodeType="tmRoot">
-          <p:childTnLst>
-            <p:seq concurrent="1" nextAc="seek">
-              <p:cTn id="2" dur="indefinite" nodeType="mainSeq">
-                <p:childTnLst>
-                  <p:par>
-                    <p:cTn id="3" fill="hold">
-                      <p:stCondLst>
-                        <p:cond delay="indefinite"/>
-                      </p:stCondLst>
-                      <p:childTnLst>
-                        <p:par>
-                          <p:cTn id="4" fill="hold">
-                            <p:stCondLst>
-                              <p:cond delay="0"/>
-                            </p:stCondLst>
-                            <p:childTnLst>
-                              <p:par>
-                                <p:cTn id="5" presetID="1" presetClass="entr" presetSubtype="0" fill="hold" grpId="0" nodeType="clickEffect">
-                                  <p:stCondLst>
-                                    <p:cond delay="0"/>
-                                  </p:stCondLst>
-                                  <p:childTnLst>
-                                    <p:set>
-                                      <p:cBhvr>
-                                        <p:cTn id="6" dur="1" fill="hold">
-                                          <p:stCondLst>
-                                            <p:cond delay="0"/>
-                                          </p:stCondLst>
-                                        </p:cTn>
-                                        <p:tgtEl>
-                                          <p:spTgt spid="7"/>
-                                        </p:tgtEl>
-                                        <p:attrNameLst>
-                                          <p:attrName>style.visibility</p:attrName>
-                                        </p:attrNameLst>
-                                      </p:cBhvr>
-                                      <p:to>
-                                        <p:strVal val="visible"/>
-                                      </p:to>
-                                    </p:set>
-                                  </p:childTnLst>
-                                </p:cTn>
-                              </p:par>
-                            </p:childTnLst>
-                          </p:cTn>
-                        </p:par>
-                      </p:childTnLst>
-                    </p:cTn>
-                  </p:par>
-                </p:childTnLst>
-              </p:cTn>
-              <p:prevCondLst>
-                <p:cond evt="onPrev" delay="0">
-                  <p:tgtEl>
-                    <p:sldTgt/>
-                  </p:tgtEl>
-                </p:cond>
-              </p:prevCondLst>
-              <p:nextCondLst>
-                <p:cond evt="onNext" delay="0">
-                  <p:tgtEl>
-                    <p:sldTgt/>
-                  </p:tgtEl>
-                </p:cond>
-              </p:nextCondLst>
-            </p:seq>
-          </p:childTnLst>
-        </p:cTn>
-      </p:par>
-    </p:tnLst>
-    <p:bldLst>
-      <p:bldP spid="7" grpId="0" animBg="1"/>
-    </p:bldLst>
-  </p:timing>
 </p:sld>
 </file>
 
@@ -15692,6 +15535,468 @@
 </file>
 
 <file path=ppt/slides/slide20.xml><?xml version="1.0" encoding="utf-8"?>
+<p:sld xmlns:a="http://schemas.openxmlformats.org/drawingml/2006/main" xmlns:r="http://schemas.openxmlformats.org/officeDocument/2006/relationships" xmlns:p="http://schemas.openxmlformats.org/presentationml/2006/main">
+  <p:cSld>
+    <p:spTree>
+      <p:nvGrpSpPr>
+        <p:cNvPr id="1" name=""/>
+        <p:cNvGrpSpPr/>
+        <p:nvPr/>
+      </p:nvGrpSpPr>
+      <p:grpSpPr>
+        <a:xfrm>
+          <a:off x="0" y="0"/>
+          <a:ext cx="0" cy="0"/>
+          <a:chOff x="0" y="0"/>
+          <a:chExt cx="0" cy="0"/>
+        </a:xfrm>
+      </p:grpSpPr>
+      <p:sp>
+        <p:nvSpPr>
+          <p:cNvPr id="2" name="Title 1">
+            <a:extLst>
+              <a:ext uri="{FF2B5EF4-FFF2-40B4-BE49-F238E27FC236}">
+                <a16:creationId xmlns:a16="http://schemas.microsoft.com/office/drawing/2014/main" id="{9FF12B69-AF3E-4601-AD3C-2F8A76810AB6}"/>
+              </a:ext>
+            </a:extLst>
+          </p:cNvPr>
+          <p:cNvSpPr>
+            <a:spLocks noGrp="1"/>
+          </p:cNvSpPr>
+          <p:nvPr>
+            <p:ph type="title"/>
+          </p:nvPr>
+        </p:nvSpPr>
+        <p:spPr/>
+        <p:txBody>
+          <a:bodyPr/>
+          <a:lstStyle/>
+          <a:p>
+            <a:r>
+              <a:rPr lang="en-GB" dirty="0"/>
+              <a:t>DEL: </a:t>
+            </a:r>
+            <a:r>
+              <a:rPr lang="en-GB" dirty="0" err="1"/>
+              <a:t>Rainflow</a:t>
+            </a:r>
+            <a:r>
+              <a:rPr lang="en-GB" dirty="0"/>
+              <a:t> counting algorithm</a:t>
+            </a:r>
+          </a:p>
+        </p:txBody>
+      </p:sp>
+      <p:sp>
+        <p:nvSpPr>
+          <p:cNvPr id="3" name="Content Placeholder 2">
+            <a:extLst>
+              <a:ext uri="{FF2B5EF4-FFF2-40B4-BE49-F238E27FC236}">
+                <a16:creationId xmlns:a16="http://schemas.microsoft.com/office/drawing/2014/main" id="{65F58845-30C3-44D2-BD93-E8E9CD831068}"/>
+              </a:ext>
+            </a:extLst>
+          </p:cNvPr>
+          <p:cNvSpPr>
+            <a:spLocks noGrp="1"/>
+          </p:cNvSpPr>
+          <p:nvPr>
+            <p:ph idx="1"/>
+          </p:nvPr>
+        </p:nvSpPr>
+        <p:spPr>
+          <a:xfrm>
+            <a:off x="685006" y="1600200"/>
+            <a:ext cx="5029200" cy="4545578"/>
+          </a:xfrm>
+        </p:spPr>
+        <p:txBody>
+          <a:bodyPr/>
+          <a:lstStyle/>
+          <a:p>
+            <a:pPr marL="0" indent="0">
+              <a:lnSpc>
+                <a:spcPct val="150000"/>
+              </a:lnSpc>
+              <a:buNone/>
+            </a:pPr>
+            <a:r>
+              <a:rPr lang="en-GB" dirty="0"/>
+              <a:t>Rules:</a:t>
+            </a:r>
+          </a:p>
+          <a:p>
+            <a:pPr>
+              <a:lnSpc>
+                <a:spcPct val="150000"/>
+              </a:lnSpc>
+            </a:pPr>
+            <a:r>
+              <a:rPr lang="en-GB" dirty="0"/>
+              <a:t>Starting from valley</a:t>
+            </a:r>
+          </a:p>
+          <a:p>
+            <a:pPr lvl="1">
+              <a:lnSpc>
+                <a:spcPct val="150000"/>
+              </a:lnSpc>
+            </a:pPr>
+            <a:r>
+              <a:rPr lang="en-GB" dirty="0"/>
+              <a:t>If the </a:t>
+            </a:r>
+            <a:r>
+              <a:rPr lang="en-GB" b="1" dirty="0"/>
+              <a:t>sequent</a:t>
+            </a:r>
+            <a:r>
+              <a:rPr lang="en-GB" dirty="0"/>
+              <a:t> valley is </a:t>
+            </a:r>
+            <a:r>
+              <a:rPr lang="en-GB" i="1" dirty="0"/>
+              <a:t>lower</a:t>
+            </a:r>
+            <a:r>
+              <a:rPr lang="en-GB" dirty="0"/>
+              <a:t> than the </a:t>
+            </a:r>
+            <a:r>
+              <a:rPr lang="en-GB" b="1" dirty="0"/>
+              <a:t>starting</a:t>
+            </a:r>
+            <a:r>
+              <a:rPr lang="en-GB" dirty="0"/>
+              <a:t> valley, stop and count as ½ cycle</a:t>
+            </a:r>
+          </a:p>
+          <a:p>
+            <a:pPr lvl="1">
+              <a:lnSpc>
+                <a:spcPct val="150000"/>
+              </a:lnSpc>
+            </a:pPr>
+            <a:r>
+              <a:rPr lang="en-GB" dirty="0"/>
+              <a:t>If not, continue the flow</a:t>
+            </a:r>
+          </a:p>
+          <a:p>
+            <a:pPr>
+              <a:lnSpc>
+                <a:spcPct val="150000"/>
+              </a:lnSpc>
+            </a:pPr>
+            <a:r>
+              <a:rPr lang="en-GB" dirty="0"/>
+              <a:t>Starting from peak</a:t>
+            </a:r>
+          </a:p>
+          <a:p>
+            <a:pPr lvl="1">
+              <a:lnSpc>
+                <a:spcPct val="150000"/>
+              </a:lnSpc>
+            </a:pPr>
+            <a:r>
+              <a:rPr lang="en-GB" dirty="0"/>
+              <a:t>If the </a:t>
+            </a:r>
+            <a:r>
+              <a:rPr lang="en-GB" b="1" dirty="0"/>
+              <a:t>sequent</a:t>
+            </a:r>
+            <a:r>
+              <a:rPr lang="en-GB" dirty="0"/>
+              <a:t> peak is </a:t>
+            </a:r>
+            <a:r>
+              <a:rPr lang="en-GB" i="1" dirty="0"/>
+              <a:t>higher</a:t>
+            </a:r>
+            <a:r>
+              <a:rPr lang="en-GB" dirty="0"/>
+              <a:t> than the </a:t>
+            </a:r>
+            <a:r>
+              <a:rPr lang="en-GB" b="1" dirty="0"/>
+              <a:t>starting</a:t>
+            </a:r>
+            <a:r>
+              <a:rPr lang="en-GB" dirty="0"/>
+              <a:t> peak, stop and count as ½ cycle</a:t>
+            </a:r>
+          </a:p>
+          <a:p>
+            <a:pPr lvl="1">
+              <a:lnSpc>
+                <a:spcPct val="150000"/>
+              </a:lnSpc>
+            </a:pPr>
+            <a:r>
+              <a:rPr lang="en-GB" dirty="0"/>
+              <a:t>If not, continue the flow</a:t>
+            </a:r>
+          </a:p>
+          <a:p>
+            <a:pPr lvl="1">
+              <a:lnSpc>
+                <a:spcPct val="150000"/>
+              </a:lnSpc>
+            </a:pPr>
+            <a:endParaRPr lang="en-GB" dirty="0"/>
+          </a:p>
+        </p:txBody>
+      </p:sp>
+      <p:sp>
+        <p:nvSpPr>
+          <p:cNvPr id="4" name="Slide Number Placeholder 3">
+            <a:extLst>
+              <a:ext uri="{FF2B5EF4-FFF2-40B4-BE49-F238E27FC236}">
+                <a16:creationId xmlns:a16="http://schemas.microsoft.com/office/drawing/2014/main" id="{814991DE-001C-44E7-BF4D-E0F8368E8180}"/>
+              </a:ext>
+            </a:extLst>
+          </p:cNvPr>
+          <p:cNvSpPr>
+            <a:spLocks noGrp="1"/>
+          </p:cNvSpPr>
+          <p:nvPr>
+            <p:ph type="sldNum" sz="quarter" idx="11"/>
+          </p:nvPr>
+        </p:nvSpPr>
+        <p:spPr/>
+        <p:txBody>
+          <a:bodyPr/>
+          <a:lstStyle/>
+          <a:p>
+            <a:fld id="{103EA872-A674-449B-A120-B97244F8E91D}" type="slidenum">
+              <a:rPr lang="en-GB" smtClean="0"/>
+              <a:pPr/>
+              <a:t>20</a:t>
+            </a:fld>
+            <a:endParaRPr lang="en-GB" dirty="0"/>
+          </a:p>
+        </p:txBody>
+      </p:sp>
+      <p:pic>
+        <p:nvPicPr>
+          <p:cNvPr id="5" name="Picture 4">
+            <a:extLst>
+              <a:ext uri="{FF2B5EF4-FFF2-40B4-BE49-F238E27FC236}">
+                <a16:creationId xmlns:a16="http://schemas.microsoft.com/office/drawing/2014/main" id="{0CE49893-5C6F-43CF-BF15-A9BC6FCFA0F1}"/>
+              </a:ext>
+            </a:extLst>
+          </p:cNvPr>
+          <p:cNvPicPr>
+            <a:picLocks noChangeAspect="1"/>
+          </p:cNvPicPr>
+          <p:nvPr/>
+        </p:nvPicPr>
+        <p:blipFill>
+          <a:blip r:embed="rId2"/>
+          <a:stretch>
+            <a:fillRect/>
+          </a:stretch>
+        </p:blipFill>
+        <p:spPr>
+          <a:xfrm>
+            <a:off x="5409406" y="1979150"/>
+            <a:ext cx="6370348" cy="3178080"/>
+          </a:xfrm>
+          <a:prstGeom prst="rect">
+            <a:avLst/>
+          </a:prstGeom>
+        </p:spPr>
+      </p:pic>
+      <p:sp>
+        <p:nvSpPr>
+          <p:cNvPr id="7" name="Rectangle 6">
+            <a:extLst>
+              <a:ext uri="{FF2B5EF4-FFF2-40B4-BE49-F238E27FC236}">
+                <a16:creationId xmlns:a16="http://schemas.microsoft.com/office/drawing/2014/main" id="{B46BC847-AA54-46B2-A385-593CFFE1BDAD}"/>
+              </a:ext>
+            </a:extLst>
+          </p:cNvPr>
+          <p:cNvSpPr/>
+          <p:nvPr/>
+        </p:nvSpPr>
+        <p:spPr bwMode="auto">
+          <a:xfrm>
+            <a:off x="7673831" y="5585958"/>
+            <a:ext cx="4038600" cy="762000"/>
+          </a:xfrm>
+          <a:prstGeom prst="rect">
+            <a:avLst/>
+          </a:prstGeom>
+          <a:solidFill>
+            <a:schemeClr val="accent1"/>
+          </a:solidFill>
+          <a:ln w="9525" cap="flat" cmpd="sng" algn="ctr">
+            <a:solidFill>
+              <a:schemeClr val="accent1"/>
+            </a:solidFill>
+            <a:prstDash val="solid"/>
+            <a:miter lim="800000"/>
+            <a:headEnd type="none" w="med" len="med"/>
+            <a:tailEnd type="none" w="med" len="med"/>
+          </a:ln>
+          <a:effectLst/>
+          <a:extLst>
+            <a:ext uri="{AF507438-7753-43E0-B8FC-AC1667EBCBE1}">
+              <a14:hiddenEffects xmlns:a14="http://schemas.microsoft.com/office/drawing/2010/main">
+                <a:effectLst>
+                  <a:outerShdw dist="35921" dir="2700000" algn="ctr" rotWithShape="0">
+                    <a:schemeClr val="bg2"/>
+                  </a:outerShdw>
+                </a:effectLst>
+              </a14:hiddenEffects>
+            </a:ext>
+          </a:extLst>
+        </p:spPr>
+        <p:txBody>
+          <a:bodyPr vert="horz" wrap="square" lIns="90000" tIns="46800" rIns="90000" bIns="46800" numCol="1" rtlCol="0" anchor="ctr" anchorCtr="0" compatLnSpc="1">
+            <a:prstTxWarp prst="textNoShape">
+              <a:avLst/>
+            </a:prstTxWarp>
+          </a:bodyPr>
+          <a:lstStyle/>
+          <a:p>
+            <a:pPr marL="0" marR="0" indent="0" algn="ctr" defTabSz="914400" rtl="0" eaLnBrk="1" fontAlgn="base" latinLnBrk="0" hangingPunct="1">
+              <a:lnSpc>
+                <a:spcPct val="100000"/>
+              </a:lnSpc>
+              <a:spcBef>
+                <a:spcPts val="432"/>
+              </a:spcBef>
+              <a:spcAft>
+                <a:spcPct val="0"/>
+              </a:spcAft>
+              <a:buClrTx/>
+              <a:buSzTx/>
+              <a:buFontTx/>
+              <a:buNone/>
+              <a:tabLst/>
+            </a:pPr>
+            <a:r>
+              <a:rPr kumimoji="0" lang="en-US" sz="1600" b="0" i="0" u="none" strike="noStrike" cap="none" normalizeH="0" baseline="0" dirty="0">
+                <a:ln>
+                  <a:noFill/>
+                </a:ln>
+                <a:solidFill>
+                  <a:srgbClr val="FFFFFF"/>
+                </a:solidFill>
+                <a:effectLst/>
+                <a:latin typeface="+mn-lt"/>
+                <a:ea typeface="ＭＳ Ｐゴシック" pitchFamily="-80" charset="-128"/>
+              </a:rPr>
+              <a:t>There exists many other methods. All of them should give you the same results.</a:t>
+            </a:r>
+            <a:endParaRPr kumimoji="0" lang="en-GB" sz="1600" b="0" i="0" u="none" strike="noStrike" cap="none" normalizeH="0" baseline="0" dirty="0" err="1">
+              <a:ln>
+                <a:noFill/>
+              </a:ln>
+              <a:solidFill>
+                <a:srgbClr val="FFFFFF"/>
+              </a:solidFill>
+              <a:effectLst/>
+              <a:latin typeface="+mn-lt"/>
+              <a:ea typeface="ＭＳ Ｐゴシック" pitchFamily="-80" charset="-128"/>
+            </a:endParaRPr>
+          </a:p>
+        </p:txBody>
+      </p:sp>
+    </p:spTree>
+    <p:extLst>
+      <p:ext uri="{BB962C8B-B14F-4D97-AF65-F5344CB8AC3E}">
+        <p14:creationId xmlns:p14="http://schemas.microsoft.com/office/powerpoint/2010/main" val="959544739"/>
+      </p:ext>
+    </p:extLst>
+  </p:cSld>
+  <p:clrMapOvr>
+    <a:masterClrMapping/>
+  </p:clrMapOvr>
+  <p:timing>
+    <p:tnLst>
+      <p:par>
+        <p:cTn id="1" dur="indefinite" restart="never" nodeType="tmRoot">
+          <p:childTnLst>
+            <p:seq concurrent="1" nextAc="seek">
+              <p:cTn id="2" dur="indefinite" nodeType="mainSeq">
+                <p:childTnLst>
+                  <p:par>
+                    <p:cTn id="3" fill="hold">
+                      <p:stCondLst>
+                        <p:cond delay="indefinite"/>
+                      </p:stCondLst>
+                      <p:childTnLst>
+                        <p:par>
+                          <p:cTn id="4" fill="hold">
+                            <p:stCondLst>
+                              <p:cond delay="0"/>
+                            </p:stCondLst>
+                            <p:childTnLst>
+                              <p:par>
+                                <p:cTn id="5" presetID="1" presetClass="entr" presetSubtype="0" fill="hold" grpId="0" nodeType="clickEffect">
+                                  <p:stCondLst>
+                                    <p:cond delay="0"/>
+                                  </p:stCondLst>
+                                  <p:childTnLst>
+                                    <p:set>
+                                      <p:cBhvr>
+                                        <p:cTn id="6" dur="1" fill="hold">
+                                          <p:stCondLst>
+                                            <p:cond delay="0"/>
+                                          </p:stCondLst>
+                                        </p:cTn>
+                                        <p:tgtEl>
+                                          <p:spTgt spid="7"/>
+                                        </p:tgtEl>
+                                        <p:attrNameLst>
+                                          <p:attrName>style.visibility</p:attrName>
+                                        </p:attrNameLst>
+                                      </p:cBhvr>
+                                      <p:to>
+                                        <p:strVal val="visible"/>
+                                      </p:to>
+                                    </p:set>
+                                  </p:childTnLst>
+                                </p:cTn>
+                              </p:par>
+                            </p:childTnLst>
+                          </p:cTn>
+                        </p:par>
+                      </p:childTnLst>
+                    </p:cTn>
+                  </p:par>
+                </p:childTnLst>
+              </p:cTn>
+              <p:prevCondLst>
+                <p:cond evt="onPrev" delay="0">
+                  <p:tgtEl>
+                    <p:sldTgt/>
+                  </p:tgtEl>
+                </p:cond>
+              </p:prevCondLst>
+              <p:nextCondLst>
+                <p:cond evt="onNext" delay="0">
+                  <p:tgtEl>
+                    <p:sldTgt/>
+                  </p:tgtEl>
+                </p:cond>
+              </p:nextCondLst>
+            </p:seq>
+          </p:childTnLst>
+        </p:cTn>
+      </p:par>
+    </p:tnLst>
+    <p:bldLst>
+      <p:bldP spid="7" grpId="0" animBg="1"/>
+    </p:bldLst>
+  </p:timing>
+</p:sld>
+</file>
+
+<file path=ppt/slides/slide21.xml><?xml version="1.0" encoding="utf-8"?>
 <p:sld xmlns:a="http://schemas.openxmlformats.org/drawingml/2006/main" xmlns:r="http://schemas.openxmlformats.org/officeDocument/2006/relationships" xmlns:p="http://schemas.openxmlformats.org/presentationml/2006/main">
   <p:cSld>
     <p:spTree>
@@ -16508,7 +16813,7 @@
             <a:fld id="{103EA872-A674-449B-A120-B97244F8E91D}" type="slidenum">
               <a:rPr lang="en-GB" smtClean="0"/>
               <a:pPr/>
-              <a:t>20</a:t>
+              <a:t>21</a:t>
             </a:fld>
             <a:endParaRPr lang="en-GB" dirty="0"/>
           </a:p>
@@ -16544,8 +16849,8 @@
           </a:prstGeom>
         </p:spPr>
       </p:pic>
-      <mc:AlternateContent xmlns:mc="http://schemas.openxmlformats.org/markup-compatibility/2006">
-        <mc:Choice xmlns:a14="http://schemas.microsoft.com/office/drawing/2010/main" Requires="a14">
+      <mc:AlternateContent xmlns:mc="http://schemas.openxmlformats.org/markup-compatibility/2006" xmlns:a14="http://schemas.microsoft.com/office/drawing/2010/main">
+        <mc:Choice Requires="a14">
           <p:graphicFrame>
             <p:nvGraphicFramePr>
               <p:cNvPr id="9" name="Table 8">
@@ -16926,7 +17231,7 @@
             </a:graphic>
           </p:graphicFrame>
         </mc:Choice>
-        <mc:Fallback>
+        <mc:Fallback xmlns="">
           <p:graphicFrame>
             <p:nvGraphicFramePr>
               <p:cNvPr id="9" name="Table 8">
@@ -17440,7 +17745,7 @@
 </p:sld>
 </file>
 
-<file path=ppt/slides/slide21.xml><?xml version="1.0" encoding="utf-8"?>
+<file path=ppt/slides/slide22.xml><?xml version="1.0" encoding="utf-8"?>
 <p:sld xmlns:a="http://schemas.openxmlformats.org/drawingml/2006/main" xmlns:r="http://schemas.openxmlformats.org/officeDocument/2006/relationships" xmlns:p="http://schemas.openxmlformats.org/presentationml/2006/main">
   <p:cSld>
     <p:spTree>
@@ -17485,8 +17790,8 @@
           </a:p>
         </p:txBody>
       </p:sp>
-      <mc:AlternateContent xmlns:mc="http://schemas.openxmlformats.org/markup-compatibility/2006">
-        <mc:Choice xmlns:a14="http://schemas.microsoft.com/office/drawing/2010/main" Requires="a14">
+      <mc:AlternateContent xmlns:mc="http://schemas.openxmlformats.org/markup-compatibility/2006" xmlns:a14="http://schemas.microsoft.com/office/drawing/2010/main">
+        <mc:Choice Requires="a14">
           <p:sp>
             <p:nvSpPr>
               <p:cNvPr id="3" name="Content Placeholder 2">
@@ -18195,7 +18500,7 @@
             </p:txBody>
           </p:sp>
         </mc:Choice>
-        <mc:Fallback>
+        <mc:Fallback xmlns="">
           <p:sp>
             <p:nvSpPr>
               <p:cNvPr id="3" name="Content Placeholder 2">
@@ -18263,14 +18568,14 @@
             <a:fld id="{103EA872-A674-449B-A120-B97244F8E91D}" type="slidenum">
               <a:rPr lang="en-GB" smtClean="0"/>
               <a:pPr/>
-              <a:t>21</a:t>
+              <a:t>22</a:t>
             </a:fld>
             <a:endParaRPr lang="en-GB" dirty="0"/>
           </a:p>
         </p:txBody>
       </p:sp>
-      <mc:AlternateContent xmlns:mc="http://schemas.openxmlformats.org/markup-compatibility/2006">
-        <mc:Choice xmlns:a14="http://schemas.microsoft.com/office/drawing/2010/main" Requires="a14">
+      <mc:AlternateContent xmlns:mc="http://schemas.openxmlformats.org/markup-compatibility/2006" xmlns:a14="http://schemas.microsoft.com/office/drawing/2010/main">
+        <mc:Choice Requires="a14">
           <p:graphicFrame>
             <p:nvGraphicFramePr>
               <p:cNvPr id="5" name="Table 4">
@@ -18651,7 +18956,7 @@
             </a:graphic>
           </p:graphicFrame>
         </mc:Choice>
-        <mc:Fallback>
+        <mc:Fallback xmlns="">
           <p:graphicFrame>
             <p:nvGraphicFramePr>
               <p:cNvPr id="5" name="Table 4">
@@ -19460,7 +19765,7 @@
 </p:sld>
 </file>
 
-<file path=ppt/slides/slide22.xml><?xml version="1.0" encoding="utf-8"?>
+<file path=ppt/slides/slide23.xml><?xml version="1.0" encoding="utf-8"?>
 <p:sld xmlns:a="http://schemas.openxmlformats.org/drawingml/2006/main" xmlns:r="http://schemas.openxmlformats.org/officeDocument/2006/relationships" xmlns:p="http://schemas.openxmlformats.org/presentationml/2006/main">
   <p:cSld>
     <p:spTree>
@@ -19529,7 +19834,7 @@
             <a:fld id="{103EA872-A674-449B-A120-B97244F8E91D}" type="slidenum">
               <a:rPr lang="en-GB" smtClean="0"/>
               <a:pPr/>
-              <a:t>22</a:t>
+              <a:t>23</a:t>
             </a:fld>
             <a:endParaRPr lang="en-GB" dirty="0"/>
           </a:p>
@@ -19869,8 +20174,8 @@
           </a:p>
         </p:txBody>
       </p:sp>
-      <mc:AlternateContent xmlns:mc="http://schemas.openxmlformats.org/markup-compatibility/2006">
-        <mc:Choice xmlns:a14="http://schemas.microsoft.com/office/drawing/2010/main" Requires="a14">
+      <mc:AlternateContent xmlns:mc="http://schemas.openxmlformats.org/markup-compatibility/2006" xmlns:a14="http://schemas.microsoft.com/office/drawing/2010/main">
+        <mc:Choice Requires="a14">
           <p:sp>
             <p:nvSpPr>
               <p:cNvPr id="9" name="Rectangle 8">
@@ -19898,6 +20203,7 @@
               </a:bodyPr>
               <a:lstStyle/>
               <a:p>
+                <a:pPr/>
                 <a14:m>
                   <m:oMathPara xmlns:m="http://schemas.openxmlformats.org/officeDocument/2006/math">
                     <m:oMathParaPr>
@@ -20110,7 +20416,7 @@
             </p:txBody>
           </p:sp>
         </mc:Choice>
-        <mc:Fallback>
+        <mc:Fallback xmlns="">
           <p:sp>
             <p:nvSpPr>
               <p:cNvPr id="9" name="Rectangle 8">
@@ -20168,7 +20474,7 @@
 </p:sld>
 </file>
 
-<file path=ppt/slides/slide23.xml><?xml version="1.0" encoding="utf-8"?>
+<file path=ppt/slides/slide24.xml><?xml version="1.0" encoding="utf-8"?>
 <p:sld xmlns:a="http://schemas.openxmlformats.org/drawingml/2006/main" xmlns:r="http://schemas.openxmlformats.org/officeDocument/2006/relationships" xmlns:p="http://schemas.openxmlformats.org/presentationml/2006/main">
   <p:cSld>
     <p:spTree>
@@ -20606,7 +20912,7 @@
             <a:fld id="{103EA872-A674-449B-A120-B97244F8E91D}" type="slidenum">
               <a:rPr lang="en-GB" smtClean="0"/>
               <a:pPr/>
-              <a:t>23</a:t>
+              <a:t>24</a:t>
             </a:fld>
             <a:endParaRPr lang="en-GB" dirty="0"/>
           </a:p>
@@ -20719,7 +21025,7 @@
 </p:sld>
 </file>
 
-<file path=ppt/slides/slide24.xml><?xml version="1.0" encoding="utf-8"?>
+<file path=ppt/slides/slide25.xml><?xml version="1.0" encoding="utf-8"?>
 <p:sld xmlns:a="http://schemas.openxmlformats.org/drawingml/2006/main" xmlns:r="http://schemas.openxmlformats.org/officeDocument/2006/relationships" xmlns:p="http://schemas.openxmlformats.org/presentationml/2006/main">
   <p:cSld>
     <p:spTree>
@@ -20856,7 +21162,7 @@
             <a:fld id="{103EA872-A674-449B-A120-B97244F8E91D}" type="slidenum">
               <a:rPr lang="en-GB" smtClean="0"/>
               <a:pPr/>
-              <a:t>24</a:t>
+              <a:t>25</a:t>
             </a:fld>
             <a:endParaRPr lang="en-GB" dirty="0"/>
           </a:p>
@@ -21005,7 +21311,7 @@
 </p:sld>
 </file>
 
-<file path=ppt/slides/slide25.xml><?xml version="1.0" encoding="utf-8"?>
+<file path=ppt/slides/slide26.xml><?xml version="1.0" encoding="utf-8"?>
 <p:sld xmlns:a="http://schemas.openxmlformats.org/drawingml/2006/main" xmlns:r="http://schemas.openxmlformats.org/officeDocument/2006/relationships" xmlns:p="http://schemas.openxmlformats.org/presentationml/2006/main">
   <p:cSld>
     <p:spTree>
@@ -21100,7 +21406,7 @@
             <a:fld id="{103EA872-A674-449B-A120-B97244F8E91D}" type="slidenum">
               <a:rPr lang="en-GB" smtClean="0"/>
               <a:pPr/>
-              <a:t>25</a:t>
+              <a:t>26</a:t>
             </a:fld>
             <a:endParaRPr lang="en-GB" dirty="0"/>
           </a:p>
@@ -21257,7 +21563,7 @@
 </p:sld>
 </file>
 
-<file path=ppt/slides/slide26.xml><?xml version="1.0" encoding="utf-8"?>
+<file path=ppt/slides/slide27.xml><?xml version="1.0" encoding="utf-8"?>
 <p:sld xmlns:a="http://schemas.openxmlformats.org/drawingml/2006/main" xmlns:r="http://schemas.openxmlformats.org/officeDocument/2006/relationships" xmlns:p="http://schemas.openxmlformats.org/presentationml/2006/main">
   <p:cSld>
     <p:spTree>
@@ -21327,7 +21633,7 @@
             <a:fld id="{103EA872-A674-449B-A120-B97244F8E91D}" type="slidenum">
               <a:rPr lang="en-GB" smtClean="0"/>
               <a:pPr/>
-              <a:t>26</a:t>
+              <a:t>27</a:t>
             </a:fld>
             <a:endParaRPr lang="en-GB" dirty="0"/>
           </a:p>
@@ -21499,7 +21805,7 @@
 </p:sld>
 </file>
 
-<file path=ppt/slides/slide27.xml><?xml version="1.0" encoding="utf-8"?>
+<file path=ppt/slides/slide28.xml><?xml version="1.0" encoding="utf-8"?>
 <p:sld xmlns:a="http://schemas.openxmlformats.org/drawingml/2006/main" xmlns:r="http://schemas.openxmlformats.org/officeDocument/2006/relationships" xmlns:p="http://schemas.openxmlformats.org/presentationml/2006/main">
   <p:cSld>
     <p:spTree>
@@ -21611,14 +21917,14 @@
             <a:fld id="{103EA872-A674-449B-A120-B97244F8E91D}" type="slidenum">
               <a:rPr lang="en-GB" smtClean="0"/>
               <a:pPr/>
-              <a:t>27</a:t>
+              <a:t>28</a:t>
             </a:fld>
             <a:endParaRPr lang="en-GB" dirty="0"/>
           </a:p>
         </p:txBody>
       </p:sp>
-      <mc:AlternateContent xmlns:mc="http://schemas.openxmlformats.org/markup-compatibility/2006">
-        <mc:Choice xmlns:a14="http://schemas.microsoft.com/office/drawing/2010/main" Requires="a14">
+      <mc:AlternateContent xmlns:mc="http://schemas.openxmlformats.org/markup-compatibility/2006" xmlns:a14="http://schemas.microsoft.com/office/drawing/2010/main">
+        <mc:Choice Requires="a14">
           <p:sp>
             <p:nvSpPr>
               <p:cNvPr id="7" name="Content Placeholder 2">
@@ -21851,7 +22157,7 @@
                     <m:sSub>
                       <m:sSubPr>
                         <m:ctrlPr>
-                          <a:rPr lang="en-US" b="0" i="0" smtClean="0">
+                          <a:rPr lang="en-US" b="0" i="1" smtClean="0">
                             <a:latin typeface="Cambria Math" panose="02040503050406030204" pitchFamily="18" charset="0"/>
                           </a:rPr>
                         </m:ctrlPr>
@@ -21952,7 +22258,7 @@
             </p:txBody>
           </p:sp>
         </mc:Choice>
-        <mc:Fallback>
+        <mc:Fallback xmlns="">
           <p:sp>
             <p:nvSpPr>
               <p:cNvPr id="7" name="Content Placeholder 2">
@@ -22496,8 +22802,8 @@
           </a:extLst>
         </p:spPr>
       </p:cxnSp>
-      <mc:AlternateContent xmlns:mc="http://schemas.openxmlformats.org/markup-compatibility/2006">
-        <mc:Choice xmlns:a14="http://schemas.microsoft.com/office/drawing/2010/main" Requires="a14">
+      <mc:AlternateContent xmlns:mc="http://schemas.openxmlformats.org/markup-compatibility/2006" xmlns:a14="http://schemas.microsoft.com/office/drawing/2010/main">
+        <mc:Choice Requires="a14">
           <p:sp>
             <p:nvSpPr>
               <p:cNvPr id="30" name="TextBox 29">
@@ -22556,7 +22862,7 @@
             </p:txBody>
           </p:sp>
         </mc:Choice>
-        <mc:Fallback>
+        <mc:Fallback xmlns="">
           <p:sp>
             <p:nvSpPr>
               <p:cNvPr id="30" name="TextBox 29">
@@ -22601,8 +22907,8 @@
           </p:sp>
         </mc:Fallback>
       </mc:AlternateContent>
-      <mc:AlternateContent xmlns:mc="http://schemas.openxmlformats.org/markup-compatibility/2006">
-        <mc:Choice xmlns:a14="http://schemas.microsoft.com/office/drawing/2010/main" Requires="a14">
+      <mc:AlternateContent xmlns:mc="http://schemas.openxmlformats.org/markup-compatibility/2006" xmlns:a14="http://schemas.microsoft.com/office/drawing/2010/main">
+        <mc:Choice Requires="a14">
           <p:sp>
             <p:nvSpPr>
               <p:cNvPr id="31" name="TextBox 30">
@@ -22689,7 +22995,7 @@
             </p:txBody>
           </p:sp>
         </mc:Choice>
-        <mc:Fallback>
+        <mc:Fallback xmlns="">
           <p:sp>
             <p:nvSpPr>
               <p:cNvPr id="31" name="TextBox 30">
@@ -22734,8 +23040,8 @@
           </p:sp>
         </mc:Fallback>
       </mc:AlternateContent>
-      <mc:AlternateContent xmlns:mc="http://schemas.openxmlformats.org/markup-compatibility/2006">
-        <mc:Choice xmlns:a14="http://schemas.microsoft.com/office/drawing/2010/main" Requires="a14">
+      <mc:AlternateContent xmlns:mc="http://schemas.openxmlformats.org/markup-compatibility/2006" xmlns:a14="http://schemas.microsoft.com/office/drawing/2010/main">
+        <mc:Choice Requires="a14">
           <p:sp>
             <p:nvSpPr>
               <p:cNvPr id="32" name="TextBox 31">
@@ -22794,7 +23100,7 @@
             </p:txBody>
           </p:sp>
         </mc:Choice>
-        <mc:Fallback>
+        <mc:Fallback xmlns="">
           <p:sp>
             <p:nvSpPr>
               <p:cNvPr id="32" name="TextBox 31">
@@ -22839,8 +23145,8 @@
           </p:sp>
         </mc:Fallback>
       </mc:AlternateContent>
-      <mc:AlternateContent xmlns:mc="http://schemas.openxmlformats.org/markup-compatibility/2006">
-        <mc:Choice xmlns:a14="http://schemas.microsoft.com/office/drawing/2010/main" Requires="a14">
+      <mc:AlternateContent xmlns:mc="http://schemas.openxmlformats.org/markup-compatibility/2006" xmlns:a14="http://schemas.microsoft.com/office/drawing/2010/main">
+        <mc:Choice Requires="a14">
           <p:sp>
             <p:nvSpPr>
               <p:cNvPr id="33" name="Rectangle 32">
@@ -22912,7 +23218,7 @@
             </p:txBody>
           </p:sp>
         </mc:Choice>
-        <mc:Fallback>
+        <mc:Fallback xmlns="">
           <p:sp>
             <p:nvSpPr>
               <p:cNvPr id="33" name="Rectangle 32">
@@ -22970,7 +23276,7 @@
 </p:sld>
 </file>
 
-<file path=ppt/slides/slide28.xml><?xml version="1.0" encoding="utf-8"?>
+<file path=ppt/slides/slide29.xml><?xml version="1.0" encoding="utf-8"?>
 <p:sld xmlns:a="http://schemas.openxmlformats.org/drawingml/2006/main" xmlns:r="http://schemas.openxmlformats.org/officeDocument/2006/relationships" xmlns:p="http://schemas.openxmlformats.org/presentationml/2006/main">
   <p:cSld>
     <p:spTree>
@@ -23092,7 +23398,7 @@
             <a:fld id="{103EA872-A674-449B-A120-B97244F8E91D}" type="slidenum">
               <a:rPr lang="en-GB" smtClean="0"/>
               <a:pPr/>
-              <a:t>28</a:t>
+              <a:t>29</a:t>
             </a:fld>
             <a:endParaRPr lang="en-GB" dirty="0"/>
           </a:p>
@@ -23575,8 +23881,8 @@
           </a:extLst>
         </p:spPr>
       </p:cxnSp>
-      <mc:AlternateContent xmlns:mc="http://schemas.openxmlformats.org/markup-compatibility/2006">
-        <mc:Choice xmlns:a14="http://schemas.microsoft.com/office/drawing/2010/main" Requires="a14">
+      <mc:AlternateContent xmlns:mc="http://schemas.openxmlformats.org/markup-compatibility/2006" xmlns:a14="http://schemas.microsoft.com/office/drawing/2010/main">
+        <mc:Choice Requires="a14">
           <p:sp>
             <p:nvSpPr>
               <p:cNvPr id="21" name="TextBox 20">
@@ -23635,7 +23941,7 @@
             </p:txBody>
           </p:sp>
         </mc:Choice>
-        <mc:Fallback>
+        <mc:Fallback xmlns="">
           <p:sp>
             <p:nvSpPr>
               <p:cNvPr id="21" name="TextBox 20">
@@ -23680,8 +23986,8 @@
           </p:sp>
         </mc:Fallback>
       </mc:AlternateContent>
-      <mc:AlternateContent xmlns:mc="http://schemas.openxmlformats.org/markup-compatibility/2006">
-        <mc:Choice xmlns:a14="http://schemas.microsoft.com/office/drawing/2010/main" Requires="a14">
+      <mc:AlternateContent xmlns:mc="http://schemas.openxmlformats.org/markup-compatibility/2006" xmlns:a14="http://schemas.microsoft.com/office/drawing/2010/main">
+        <mc:Choice Requires="a14">
           <p:sp>
             <p:nvSpPr>
               <p:cNvPr id="23" name="TextBox 22">
@@ -23756,7 +24062,7 @@
             </p:txBody>
           </p:sp>
         </mc:Choice>
-        <mc:Fallback>
+        <mc:Fallback xmlns="">
           <p:sp>
             <p:nvSpPr>
               <p:cNvPr id="23" name="TextBox 22">
@@ -23801,8 +24107,8 @@
           </p:sp>
         </mc:Fallback>
       </mc:AlternateContent>
-      <mc:AlternateContent xmlns:mc="http://schemas.openxmlformats.org/markup-compatibility/2006">
-        <mc:Choice xmlns:a14="http://schemas.microsoft.com/office/drawing/2010/main" Requires="a14">
+      <mc:AlternateContent xmlns:mc="http://schemas.openxmlformats.org/markup-compatibility/2006" xmlns:a14="http://schemas.microsoft.com/office/drawing/2010/main">
+        <mc:Choice Requires="a14">
           <p:sp>
             <p:nvSpPr>
               <p:cNvPr id="24" name="Rectangle 23">
@@ -23858,7 +24164,7 @@
             </p:txBody>
           </p:sp>
         </mc:Choice>
-        <mc:Fallback>
+        <mc:Fallback xmlns="">
           <p:sp>
             <p:nvSpPr>
               <p:cNvPr id="24" name="Rectangle 23">
@@ -24076,254 +24382,6 @@
     <p:extLst>
       <p:ext uri="{BB962C8B-B14F-4D97-AF65-F5344CB8AC3E}">
         <p14:creationId xmlns:p14="http://schemas.microsoft.com/office/powerpoint/2010/main" val="2835412493"/>
-      </p:ext>
-    </p:extLst>
-  </p:cSld>
-  <p:clrMapOvr>
-    <a:masterClrMapping/>
-  </p:clrMapOvr>
-</p:sld>
-</file>
-
-<file path=ppt/slides/slide29.xml><?xml version="1.0" encoding="utf-8"?>
-<p:sld xmlns:a="http://schemas.openxmlformats.org/drawingml/2006/main" xmlns:r="http://schemas.openxmlformats.org/officeDocument/2006/relationships" xmlns:p="http://schemas.openxmlformats.org/presentationml/2006/main">
-  <p:cSld>
-    <p:spTree>
-      <p:nvGrpSpPr>
-        <p:cNvPr id="1" name=""/>
-        <p:cNvGrpSpPr/>
-        <p:nvPr/>
-      </p:nvGrpSpPr>
-      <p:grpSpPr>
-        <a:xfrm>
-          <a:off x="0" y="0"/>
-          <a:ext cx="0" cy="0"/>
-          <a:chOff x="0" y="0"/>
-          <a:chExt cx="0" cy="0"/>
-        </a:xfrm>
-      </p:grpSpPr>
-      <p:sp>
-        <p:nvSpPr>
-          <p:cNvPr id="2" name="Title 1">
-            <a:extLst>
-              <a:ext uri="{FF2B5EF4-FFF2-40B4-BE49-F238E27FC236}">
-                <a16:creationId xmlns:a16="http://schemas.microsoft.com/office/drawing/2014/main" id="{45238DD1-4EA9-4E49-B117-3848B68544AE}"/>
-              </a:ext>
-            </a:extLst>
-          </p:cNvPr>
-          <p:cNvSpPr>
-            <a:spLocks noGrp="1"/>
-          </p:cNvSpPr>
-          <p:nvPr>
-            <p:ph type="title"/>
-          </p:nvPr>
-        </p:nvSpPr>
-        <p:spPr/>
-        <p:txBody>
-          <a:bodyPr/>
-          <a:lstStyle/>
-          <a:p>
-            <a:r>
-              <a:rPr lang="en-US" dirty="0"/>
-              <a:t>Advanced Control topics:</a:t>
-            </a:r>
-            <a:br>
-              <a:rPr lang="en-US" dirty="0"/>
-            </a:br>
-            <a:r>
-              <a:rPr lang="en-US" dirty="0"/>
-              <a:t>Individual Pitch Control</a:t>
-            </a:r>
-            <a:endParaRPr lang="en-GB" dirty="0"/>
-          </a:p>
-        </p:txBody>
-      </p:sp>
-      <p:sp>
-        <p:nvSpPr>
-          <p:cNvPr id="3" name="Content Placeholder 2">
-            <a:extLst>
-              <a:ext uri="{FF2B5EF4-FFF2-40B4-BE49-F238E27FC236}">
-                <a16:creationId xmlns:a16="http://schemas.microsoft.com/office/drawing/2014/main" id="{D56D49CD-3D3E-4AB4-A713-DC600009F453}"/>
-              </a:ext>
-            </a:extLst>
-          </p:cNvPr>
-          <p:cNvSpPr>
-            <a:spLocks noGrp="1"/>
-          </p:cNvSpPr>
-          <p:nvPr>
-            <p:ph idx="1"/>
-          </p:nvPr>
-        </p:nvSpPr>
-        <p:spPr>
-          <a:xfrm>
-            <a:off x="1142206" y="1655103"/>
-            <a:ext cx="5615880" cy="4545578"/>
-          </a:xfrm>
-        </p:spPr>
-        <p:txBody>
-          <a:bodyPr/>
-          <a:lstStyle/>
-          <a:p>
-            <a:r>
-              <a:rPr lang="en-US" dirty="0"/>
-              <a:t>Turbines are subject to periodic loadings:</a:t>
-            </a:r>
-          </a:p>
-          <a:p>
-            <a:pPr lvl="1"/>
-            <a:r>
-              <a:rPr lang="en-US" dirty="0"/>
-              <a:t>Wind shear, tower shadow</a:t>
-            </a:r>
-          </a:p>
-          <a:p>
-            <a:pPr lvl="1"/>
-            <a:endParaRPr lang="en-US" dirty="0"/>
-          </a:p>
-          <a:p>
-            <a:r>
-              <a:rPr lang="en-US" dirty="0"/>
-              <a:t>Cyclic pitch control: azimuth-dependent change to the demand pitch angle for each blade</a:t>
-            </a:r>
-          </a:p>
-          <a:p>
-            <a:endParaRPr lang="en-US" dirty="0"/>
-          </a:p>
-          <a:p>
-            <a:r>
-              <a:rPr lang="en-US" dirty="0"/>
-              <a:t>Turbulent variations in wind speed across a large turbine rotor dominates the asymmetrical loadings.</a:t>
-            </a:r>
-          </a:p>
-          <a:p>
-            <a:pPr lvl="1"/>
-            <a:r>
-              <a:rPr lang="en-US" dirty="0"/>
-              <a:t>Individual Pitch Control:</a:t>
-            </a:r>
-          </a:p>
-          <a:p>
-            <a:pPr lvl="1"/>
-            <a:r>
-              <a:rPr lang="en-US" dirty="0"/>
-              <a:t>Use load sensor to measure blade bending moment</a:t>
-            </a:r>
-          </a:p>
-          <a:p>
-            <a:pPr lvl="1"/>
-            <a:r>
-              <a:rPr lang="en-US" dirty="0"/>
-              <a:t>Adjust the blade individually</a:t>
-            </a:r>
-            <a:endParaRPr lang="en-GB" dirty="0"/>
-          </a:p>
-        </p:txBody>
-      </p:sp>
-      <p:sp>
-        <p:nvSpPr>
-          <p:cNvPr id="4" name="Slide Number Placeholder 3">
-            <a:extLst>
-              <a:ext uri="{FF2B5EF4-FFF2-40B4-BE49-F238E27FC236}">
-                <a16:creationId xmlns:a16="http://schemas.microsoft.com/office/drawing/2014/main" id="{8D40230E-2B62-46A3-849D-926EF541C18C}"/>
-              </a:ext>
-            </a:extLst>
-          </p:cNvPr>
-          <p:cNvSpPr>
-            <a:spLocks noGrp="1"/>
-          </p:cNvSpPr>
-          <p:nvPr>
-            <p:ph type="sldNum" sz="quarter" idx="11"/>
-          </p:nvPr>
-        </p:nvSpPr>
-        <p:spPr/>
-        <p:txBody>
-          <a:bodyPr/>
-          <a:lstStyle/>
-          <a:p>
-            <a:fld id="{103EA872-A674-449B-A120-B97244F8E91D}" type="slidenum">
-              <a:rPr lang="en-GB" smtClean="0"/>
-              <a:pPr/>
-              <a:t>29</a:t>
-            </a:fld>
-            <a:endParaRPr lang="en-GB" dirty="0"/>
-          </a:p>
-        </p:txBody>
-      </p:sp>
-      <p:pic>
-        <p:nvPicPr>
-          <p:cNvPr id="6" name="Picture 5" descr="Diagram&#10;&#10;Description automatically generated">
-            <a:extLst>
-              <a:ext uri="{FF2B5EF4-FFF2-40B4-BE49-F238E27FC236}">
-                <a16:creationId xmlns:a16="http://schemas.microsoft.com/office/drawing/2014/main" id="{298ACD9C-7584-4FBD-928E-5DB5F1578397}"/>
-              </a:ext>
-            </a:extLst>
-          </p:cNvPr>
-          <p:cNvPicPr>
-            <a:picLocks noChangeAspect="1"/>
-          </p:cNvPicPr>
-          <p:nvPr/>
-        </p:nvPicPr>
-        <p:blipFill rotWithShape="1">
-          <a:blip r:embed="rId2">
-            <a:extLst>
-              <a:ext uri="{28A0092B-C50C-407E-A947-70E740481C1C}">
-                <a14:useLocalDpi xmlns:a14="http://schemas.microsoft.com/office/drawing/2010/main" val="0"/>
-              </a:ext>
-            </a:extLst>
-          </a:blip>
-          <a:srcRect t="2608"/>
-          <a:stretch/>
-        </p:blipFill>
-        <p:spPr>
-          <a:xfrm>
-            <a:off x="7771606" y="152400"/>
-            <a:ext cx="3801006" cy="3210155"/>
-          </a:xfrm>
-          <a:prstGeom prst="rect">
-            <a:avLst/>
-          </a:prstGeom>
-        </p:spPr>
-      </p:pic>
-      <p:pic>
-        <p:nvPicPr>
-          <p:cNvPr id="8" name="Picture 7" descr="Chart, line chart&#10;&#10;Description automatically generated">
-            <a:extLst>
-              <a:ext uri="{FF2B5EF4-FFF2-40B4-BE49-F238E27FC236}">
-                <a16:creationId xmlns:a16="http://schemas.microsoft.com/office/drawing/2014/main" id="{DB14087B-EDB0-44F6-98C1-08301AC65D35}"/>
-              </a:ext>
-            </a:extLst>
-          </p:cNvPr>
-          <p:cNvPicPr>
-            <a:picLocks noChangeAspect="1"/>
-          </p:cNvPicPr>
-          <p:nvPr/>
-        </p:nvPicPr>
-        <p:blipFill>
-          <a:blip r:embed="rId3">
-            <a:extLst>
-              <a:ext uri="{28A0092B-C50C-407E-A947-70E740481C1C}">
-                <a14:useLocalDpi xmlns:a14="http://schemas.microsoft.com/office/drawing/2010/main" val="0"/>
-              </a:ext>
-            </a:extLst>
-          </a:blip>
-          <a:stretch>
-            <a:fillRect/>
-          </a:stretch>
-        </p:blipFill>
-        <p:spPr>
-          <a:xfrm>
-            <a:off x="6539626" y="3764766"/>
-            <a:ext cx="5427205" cy="2317073"/>
-          </a:xfrm>
-          <a:prstGeom prst="rect">
-            <a:avLst/>
-          </a:prstGeom>
-        </p:spPr>
-      </p:pic>
-    </p:spTree>
-    <p:extLst>
-      <p:ext uri="{BB962C8B-B14F-4D97-AF65-F5344CB8AC3E}">
-        <p14:creationId xmlns:p14="http://schemas.microsoft.com/office/powerpoint/2010/main" val="995563546"/>
       </p:ext>
     </p:extLst>
   </p:cSld>
@@ -26397,6 +26455,435 @@
 </p:sld>
 </file>
 
+<file path=ppt/slides/slide30.xml><?xml version="1.0" encoding="utf-8"?>
+<p:sld xmlns:a="http://schemas.openxmlformats.org/drawingml/2006/main" xmlns:r="http://schemas.openxmlformats.org/officeDocument/2006/relationships" xmlns:p="http://schemas.openxmlformats.org/presentationml/2006/main">
+  <p:cSld>
+    <p:spTree>
+      <p:nvGrpSpPr>
+        <p:cNvPr id="1" name=""/>
+        <p:cNvGrpSpPr/>
+        <p:nvPr/>
+      </p:nvGrpSpPr>
+      <p:grpSpPr>
+        <a:xfrm>
+          <a:off x="0" y="0"/>
+          <a:ext cx="0" cy="0"/>
+          <a:chOff x="0" y="0"/>
+          <a:chExt cx="0" cy="0"/>
+        </a:xfrm>
+      </p:grpSpPr>
+      <p:sp>
+        <p:nvSpPr>
+          <p:cNvPr id="2" name="Title 1">
+            <a:extLst>
+              <a:ext uri="{FF2B5EF4-FFF2-40B4-BE49-F238E27FC236}">
+                <a16:creationId xmlns:a16="http://schemas.microsoft.com/office/drawing/2014/main" id="{45238DD1-4EA9-4E49-B117-3848B68544AE}"/>
+              </a:ext>
+            </a:extLst>
+          </p:cNvPr>
+          <p:cNvSpPr>
+            <a:spLocks noGrp="1"/>
+          </p:cNvSpPr>
+          <p:nvPr>
+            <p:ph type="title"/>
+          </p:nvPr>
+        </p:nvSpPr>
+        <p:spPr/>
+        <p:txBody>
+          <a:bodyPr/>
+          <a:lstStyle/>
+          <a:p>
+            <a:r>
+              <a:rPr lang="en-US" dirty="0"/>
+              <a:t>Advanced Control topics:</a:t>
+            </a:r>
+            <a:br>
+              <a:rPr lang="en-US" dirty="0"/>
+            </a:br>
+            <a:r>
+              <a:rPr lang="en-US" dirty="0"/>
+              <a:t>Individual Pitch Control</a:t>
+            </a:r>
+            <a:endParaRPr lang="en-GB" dirty="0"/>
+          </a:p>
+        </p:txBody>
+      </p:sp>
+      <p:sp>
+        <p:nvSpPr>
+          <p:cNvPr id="3" name="Content Placeholder 2">
+            <a:extLst>
+              <a:ext uri="{FF2B5EF4-FFF2-40B4-BE49-F238E27FC236}">
+                <a16:creationId xmlns:a16="http://schemas.microsoft.com/office/drawing/2014/main" id="{D56D49CD-3D3E-4AB4-A713-DC600009F453}"/>
+              </a:ext>
+            </a:extLst>
+          </p:cNvPr>
+          <p:cNvSpPr>
+            <a:spLocks noGrp="1"/>
+          </p:cNvSpPr>
+          <p:nvPr>
+            <p:ph idx="1"/>
+          </p:nvPr>
+        </p:nvSpPr>
+        <p:spPr>
+          <a:xfrm>
+            <a:off x="1142206" y="1655103"/>
+            <a:ext cx="5615880" cy="4545578"/>
+          </a:xfrm>
+        </p:spPr>
+        <p:txBody>
+          <a:bodyPr/>
+          <a:lstStyle/>
+          <a:p>
+            <a:r>
+              <a:rPr lang="en-US" dirty="0"/>
+              <a:t>Turbines are subject to periodic loadings:</a:t>
+            </a:r>
+          </a:p>
+          <a:p>
+            <a:pPr lvl="1"/>
+            <a:r>
+              <a:rPr lang="en-US" dirty="0"/>
+              <a:t>Wind shear, tower shadow</a:t>
+            </a:r>
+          </a:p>
+          <a:p>
+            <a:pPr lvl="1"/>
+            <a:endParaRPr lang="en-US" dirty="0"/>
+          </a:p>
+          <a:p>
+            <a:r>
+              <a:rPr lang="en-US" dirty="0"/>
+              <a:t>Cyclic pitch control: azimuth-dependent change to the demand pitch angle for each blade</a:t>
+            </a:r>
+          </a:p>
+          <a:p>
+            <a:endParaRPr lang="en-US" dirty="0"/>
+          </a:p>
+          <a:p>
+            <a:r>
+              <a:rPr lang="en-US" dirty="0"/>
+              <a:t>Turbulent variations in wind speed across a large turbine rotor dominates the asymmetrical loadings.</a:t>
+            </a:r>
+          </a:p>
+          <a:p>
+            <a:pPr lvl="1"/>
+            <a:r>
+              <a:rPr lang="en-US" dirty="0"/>
+              <a:t>Individual Pitch Control:</a:t>
+            </a:r>
+          </a:p>
+          <a:p>
+            <a:pPr lvl="1"/>
+            <a:r>
+              <a:rPr lang="en-US" dirty="0"/>
+              <a:t>Use load sensor to measure blade bending moment</a:t>
+            </a:r>
+          </a:p>
+          <a:p>
+            <a:pPr lvl="1"/>
+            <a:r>
+              <a:rPr lang="en-US" dirty="0"/>
+              <a:t>Adjust the blade individually</a:t>
+            </a:r>
+            <a:endParaRPr lang="en-GB" dirty="0"/>
+          </a:p>
+        </p:txBody>
+      </p:sp>
+      <p:sp>
+        <p:nvSpPr>
+          <p:cNvPr id="4" name="Slide Number Placeholder 3">
+            <a:extLst>
+              <a:ext uri="{FF2B5EF4-FFF2-40B4-BE49-F238E27FC236}">
+                <a16:creationId xmlns:a16="http://schemas.microsoft.com/office/drawing/2014/main" id="{8D40230E-2B62-46A3-849D-926EF541C18C}"/>
+              </a:ext>
+            </a:extLst>
+          </p:cNvPr>
+          <p:cNvSpPr>
+            <a:spLocks noGrp="1"/>
+          </p:cNvSpPr>
+          <p:nvPr>
+            <p:ph type="sldNum" sz="quarter" idx="11"/>
+          </p:nvPr>
+        </p:nvSpPr>
+        <p:spPr/>
+        <p:txBody>
+          <a:bodyPr/>
+          <a:lstStyle/>
+          <a:p>
+            <a:fld id="{103EA872-A674-449B-A120-B97244F8E91D}" type="slidenum">
+              <a:rPr lang="en-GB" smtClean="0"/>
+              <a:pPr/>
+              <a:t>30</a:t>
+            </a:fld>
+            <a:endParaRPr lang="en-GB" dirty="0"/>
+          </a:p>
+        </p:txBody>
+      </p:sp>
+      <p:pic>
+        <p:nvPicPr>
+          <p:cNvPr id="6" name="Picture 5" descr="Diagram&#10;&#10;Description automatically generated">
+            <a:extLst>
+              <a:ext uri="{FF2B5EF4-FFF2-40B4-BE49-F238E27FC236}">
+                <a16:creationId xmlns:a16="http://schemas.microsoft.com/office/drawing/2014/main" id="{298ACD9C-7584-4FBD-928E-5DB5F1578397}"/>
+              </a:ext>
+            </a:extLst>
+          </p:cNvPr>
+          <p:cNvPicPr>
+            <a:picLocks noChangeAspect="1"/>
+          </p:cNvPicPr>
+          <p:nvPr/>
+        </p:nvPicPr>
+        <p:blipFill rotWithShape="1">
+          <a:blip r:embed="rId2">
+            <a:extLst>
+              <a:ext uri="{28A0092B-C50C-407E-A947-70E740481C1C}">
+                <a14:useLocalDpi xmlns:a14="http://schemas.microsoft.com/office/drawing/2010/main" val="0"/>
+              </a:ext>
+            </a:extLst>
+          </a:blip>
+          <a:srcRect t="2608"/>
+          <a:stretch/>
+        </p:blipFill>
+        <p:spPr>
+          <a:xfrm>
+            <a:off x="7771606" y="152400"/>
+            <a:ext cx="3801006" cy="3210155"/>
+          </a:xfrm>
+          <a:prstGeom prst="rect">
+            <a:avLst/>
+          </a:prstGeom>
+        </p:spPr>
+      </p:pic>
+      <p:pic>
+        <p:nvPicPr>
+          <p:cNvPr id="8" name="Picture 7" descr="Chart, line chart&#10;&#10;Description automatically generated">
+            <a:extLst>
+              <a:ext uri="{FF2B5EF4-FFF2-40B4-BE49-F238E27FC236}">
+                <a16:creationId xmlns:a16="http://schemas.microsoft.com/office/drawing/2014/main" id="{DB14087B-EDB0-44F6-98C1-08301AC65D35}"/>
+              </a:ext>
+            </a:extLst>
+          </p:cNvPr>
+          <p:cNvPicPr>
+            <a:picLocks noChangeAspect="1"/>
+          </p:cNvPicPr>
+          <p:nvPr/>
+        </p:nvPicPr>
+        <p:blipFill>
+          <a:blip r:embed="rId3">
+            <a:extLst>
+              <a:ext uri="{28A0092B-C50C-407E-A947-70E740481C1C}">
+                <a14:useLocalDpi xmlns:a14="http://schemas.microsoft.com/office/drawing/2010/main" val="0"/>
+              </a:ext>
+            </a:extLst>
+          </a:blip>
+          <a:stretch>
+            <a:fillRect/>
+          </a:stretch>
+        </p:blipFill>
+        <p:spPr>
+          <a:xfrm>
+            <a:off x="6539626" y="3764766"/>
+            <a:ext cx="5427205" cy="2317073"/>
+          </a:xfrm>
+          <a:prstGeom prst="rect">
+            <a:avLst/>
+          </a:prstGeom>
+        </p:spPr>
+      </p:pic>
+    </p:spTree>
+    <p:extLst>
+      <p:ext uri="{BB962C8B-B14F-4D97-AF65-F5344CB8AC3E}">
+        <p14:creationId xmlns:p14="http://schemas.microsoft.com/office/powerpoint/2010/main" val="995563546"/>
+      </p:ext>
+    </p:extLst>
+  </p:cSld>
+  <p:clrMapOvr>
+    <a:masterClrMapping/>
+  </p:clrMapOvr>
+</p:sld>
+</file>
+
+<file path=ppt/slides/slide31.xml><?xml version="1.0" encoding="utf-8"?>
+<p:sld xmlns:a="http://schemas.openxmlformats.org/drawingml/2006/main" xmlns:r="http://schemas.openxmlformats.org/officeDocument/2006/relationships" xmlns:p="http://schemas.openxmlformats.org/presentationml/2006/main">
+  <p:cSld>
+    <p:spTree>
+      <p:nvGrpSpPr>
+        <p:cNvPr id="1" name=""/>
+        <p:cNvGrpSpPr/>
+        <p:nvPr/>
+      </p:nvGrpSpPr>
+      <p:grpSpPr>
+        <a:xfrm>
+          <a:off x="0" y="0"/>
+          <a:ext cx="0" cy="0"/>
+          <a:chOff x="0" y="0"/>
+          <a:chExt cx="0" cy="0"/>
+        </a:xfrm>
+      </p:grpSpPr>
+      <p:sp>
+        <p:nvSpPr>
+          <p:cNvPr id="2" name="Title 1">
+            <a:extLst>
+              <a:ext uri="{FF2B5EF4-FFF2-40B4-BE49-F238E27FC236}">
+                <a16:creationId xmlns:a16="http://schemas.microsoft.com/office/drawing/2014/main" id="{8FADE781-794A-4F76-BD9B-BE1A2949A8C9}"/>
+              </a:ext>
+            </a:extLst>
+          </p:cNvPr>
+          <p:cNvSpPr>
+            <a:spLocks noGrp="1"/>
+          </p:cNvSpPr>
+          <p:nvPr>
+            <p:ph type="title"/>
+          </p:nvPr>
+        </p:nvSpPr>
+        <p:spPr/>
+        <p:txBody>
+          <a:bodyPr/>
+          <a:lstStyle/>
+          <a:p>
+            <a:r>
+              <a:rPr lang="en-GB" dirty="0"/>
+              <a:t>Summary</a:t>
+            </a:r>
+          </a:p>
+        </p:txBody>
+      </p:sp>
+      <p:sp>
+        <p:nvSpPr>
+          <p:cNvPr id="3" name="Content Placeholder 2">
+            <a:extLst>
+              <a:ext uri="{FF2B5EF4-FFF2-40B4-BE49-F238E27FC236}">
+                <a16:creationId xmlns:a16="http://schemas.microsoft.com/office/drawing/2014/main" id="{057803A0-FEC8-46DF-B923-3DD3D54AD529}"/>
+              </a:ext>
+            </a:extLst>
+          </p:cNvPr>
+          <p:cNvSpPr>
+            <a:spLocks noGrp="1"/>
+          </p:cNvSpPr>
+          <p:nvPr>
+            <p:ph idx="1"/>
+          </p:nvPr>
+        </p:nvSpPr>
+        <p:spPr/>
+        <p:txBody>
+          <a:bodyPr/>
+          <a:lstStyle/>
+          <a:p>
+            <a:pPr>
+              <a:lnSpc>
+                <a:spcPct val="150000"/>
+              </a:lnSpc>
+            </a:pPr>
+            <a:r>
+              <a:rPr lang="en-GB" dirty="0"/>
+              <a:t>After this lecture, you should be able to:</a:t>
+            </a:r>
+          </a:p>
+          <a:p>
+            <a:pPr lvl="1">
+              <a:lnSpc>
+                <a:spcPct val="150000"/>
+              </a:lnSpc>
+            </a:pPr>
+            <a:r>
+              <a:rPr lang="en-GB" dirty="0"/>
+              <a:t>Understand the switching logics behind a wind turbine controller</a:t>
+            </a:r>
+          </a:p>
+          <a:p>
+            <a:pPr lvl="1">
+              <a:lnSpc>
+                <a:spcPct val="150000"/>
+              </a:lnSpc>
+            </a:pPr>
+            <a:r>
+              <a:rPr lang="en-GB" dirty="0"/>
+              <a:t>Tune the opening of torque limit</a:t>
+            </a:r>
+          </a:p>
+          <a:p>
+            <a:pPr lvl="1">
+              <a:lnSpc>
+                <a:spcPct val="150000"/>
+              </a:lnSpc>
+            </a:pPr>
+            <a:r>
+              <a:rPr lang="en-GB" dirty="0"/>
+              <a:t>Calculate the DEL</a:t>
+            </a:r>
+          </a:p>
+          <a:p>
+            <a:pPr lvl="1">
+              <a:lnSpc>
+                <a:spcPct val="150000"/>
+              </a:lnSpc>
+            </a:pPr>
+            <a:r>
+              <a:rPr lang="en-GB" dirty="0"/>
+              <a:t>Design a peak shaving strategy</a:t>
+            </a:r>
+          </a:p>
+          <a:p>
+            <a:pPr lvl="1">
+              <a:lnSpc>
+                <a:spcPct val="150000"/>
+              </a:lnSpc>
+            </a:pPr>
+            <a:endParaRPr lang="en-GB" dirty="0"/>
+          </a:p>
+          <a:p>
+            <a:pPr lvl="1">
+              <a:lnSpc>
+                <a:spcPct val="150000"/>
+              </a:lnSpc>
+            </a:pPr>
+            <a:endParaRPr lang="en-GB" dirty="0"/>
+          </a:p>
+        </p:txBody>
+      </p:sp>
+      <p:sp>
+        <p:nvSpPr>
+          <p:cNvPr id="4" name="Slide Number Placeholder 3">
+            <a:extLst>
+              <a:ext uri="{FF2B5EF4-FFF2-40B4-BE49-F238E27FC236}">
+                <a16:creationId xmlns:a16="http://schemas.microsoft.com/office/drawing/2014/main" id="{41DFE29C-7DB1-4D48-9235-C71912655CDF}"/>
+              </a:ext>
+            </a:extLst>
+          </p:cNvPr>
+          <p:cNvSpPr>
+            <a:spLocks noGrp="1"/>
+          </p:cNvSpPr>
+          <p:nvPr>
+            <p:ph type="sldNum" sz="quarter" idx="11"/>
+          </p:nvPr>
+        </p:nvSpPr>
+        <p:spPr/>
+        <p:txBody>
+          <a:bodyPr/>
+          <a:lstStyle/>
+          <a:p>
+            <a:fld id="{103EA872-A674-449B-A120-B97244F8E91D}" type="slidenum">
+              <a:rPr lang="en-GB" smtClean="0"/>
+              <a:pPr/>
+              <a:t>31</a:t>
+            </a:fld>
+            <a:endParaRPr lang="en-GB" dirty="0"/>
+          </a:p>
+        </p:txBody>
+      </p:sp>
+    </p:spTree>
+    <p:extLst>
+      <p:ext uri="{BB962C8B-B14F-4D97-AF65-F5344CB8AC3E}">
+        <p14:creationId xmlns:p14="http://schemas.microsoft.com/office/powerpoint/2010/main" val="491931668"/>
+      </p:ext>
+    </p:extLst>
+  </p:cSld>
+  <p:clrMapOvr>
+    <a:masterClrMapping/>
+  </p:clrMapOvr>
+</p:sld>
+</file>
+
 <file path=ppt/slides/slide4.xml><?xml version="1.0" encoding="utf-8"?>
 <p:sld xmlns:a="http://schemas.openxmlformats.org/drawingml/2006/main" xmlns:r="http://schemas.openxmlformats.org/officeDocument/2006/relationships" xmlns:p="http://schemas.openxmlformats.org/presentationml/2006/main">
   <p:cSld>
@@ -26791,8 +27278,8 @@
           </p:txBody>
         </p:sp>
       </p:grpSp>
-      <mc:AlternateContent xmlns:mc="http://schemas.openxmlformats.org/markup-compatibility/2006">
-        <mc:Choice xmlns:a14="http://schemas.microsoft.com/office/drawing/2010/main" Requires="a14">
+      <mc:AlternateContent xmlns:mc="http://schemas.openxmlformats.org/markup-compatibility/2006" xmlns:a14="http://schemas.microsoft.com/office/drawing/2010/main">
+        <mc:Choice Requires="a14">
           <p:sp>
             <p:nvSpPr>
               <p:cNvPr id="12" name="TextBox 11">
@@ -27193,7 +27680,7 @@
             </p:txBody>
           </p:sp>
         </mc:Choice>
-        <mc:Fallback>
+        <mc:Fallback xmlns="">
           <p:sp>
             <p:nvSpPr>
               <p:cNvPr id="12" name="TextBox 11">
@@ -27389,8 +27876,8 @@
           </p:txBody>
         </p:sp>
       </p:grpSp>
-      <mc:AlternateContent xmlns:mc="http://schemas.openxmlformats.org/markup-compatibility/2006">
-        <mc:Choice xmlns:a14="http://schemas.microsoft.com/office/drawing/2010/main" Requires="a14">
+      <mc:AlternateContent xmlns:mc="http://schemas.openxmlformats.org/markup-compatibility/2006" xmlns:a14="http://schemas.microsoft.com/office/drawing/2010/main">
+        <mc:Choice Requires="a14">
           <p:sp>
             <p:nvSpPr>
               <p:cNvPr id="17" name="TextBox 16">
@@ -27939,7 +28426,7 @@
             </p:txBody>
           </p:sp>
         </mc:Choice>
-        <mc:Fallback>
+        <mc:Fallback xmlns="">
           <p:sp>
             <p:nvSpPr>
               <p:cNvPr id="17" name="TextBox 16">
@@ -27984,8 +28471,8 @@
           </p:sp>
         </mc:Fallback>
       </mc:AlternateContent>
-      <mc:AlternateContent xmlns:mc="http://schemas.openxmlformats.org/markup-compatibility/2006">
-        <mc:Choice xmlns:a14="http://schemas.microsoft.com/office/drawing/2010/main" Requires="a14">
+      <mc:AlternateContent xmlns:mc="http://schemas.openxmlformats.org/markup-compatibility/2006" xmlns:a14="http://schemas.microsoft.com/office/drawing/2010/main">
+        <mc:Choice Requires="a14">
           <p:sp>
             <p:nvSpPr>
               <p:cNvPr id="18" name="TextBox 17">
@@ -28293,7 +28780,7 @@
             </p:txBody>
           </p:sp>
         </mc:Choice>
-        <mc:Fallback>
+        <mc:Fallback xmlns="">
           <p:sp>
             <p:nvSpPr>
               <p:cNvPr id="18" name="TextBox 17">
@@ -28398,8 +28885,8 @@
           </a:extLst>
         </p:spPr>
       </p:pic>
-      <mc:AlternateContent xmlns:mc="http://schemas.openxmlformats.org/markup-compatibility/2006">
-        <mc:Choice xmlns:a14="http://schemas.microsoft.com/office/drawing/2010/main" Requires="a14">
+      <mc:AlternateContent xmlns:mc="http://schemas.openxmlformats.org/markup-compatibility/2006" xmlns:a14="http://schemas.microsoft.com/office/drawing/2010/main">
+        <mc:Choice Requires="a14">
           <p:sp>
             <p:nvSpPr>
               <p:cNvPr id="21" name="Rectangle 20">
@@ -28644,7 +29131,7 @@
             </p:txBody>
           </p:sp>
         </mc:Choice>
-        <mc:Fallback>
+        <mc:Fallback xmlns="">
           <p:sp>
             <p:nvSpPr>
               <p:cNvPr id="21" name="Rectangle 20">
@@ -28724,6 +29211,178 @@
           <p:cNvPr id="2" name="Title 1">
             <a:extLst>
               <a:ext uri="{FF2B5EF4-FFF2-40B4-BE49-F238E27FC236}">
+                <a16:creationId xmlns:a16="http://schemas.microsoft.com/office/drawing/2014/main" id="{D01F9A85-C976-4A7E-B078-2B69029D975D}"/>
+              </a:ext>
+            </a:extLst>
+          </p:cNvPr>
+          <p:cNvSpPr>
+            <a:spLocks noGrp="1"/>
+          </p:cNvSpPr>
+          <p:nvPr>
+            <p:ph type="title"/>
+          </p:nvPr>
+        </p:nvSpPr>
+        <p:spPr/>
+        <p:txBody>
+          <a:bodyPr/>
+          <a:lstStyle/>
+          <a:p>
+            <a:r>
+              <a:rPr lang="en-GB" dirty="0"/>
+              <a:t>Learning Objective</a:t>
+            </a:r>
+          </a:p>
+        </p:txBody>
+      </p:sp>
+      <p:sp>
+        <p:nvSpPr>
+          <p:cNvPr id="3" name="Content Placeholder 2">
+            <a:extLst>
+              <a:ext uri="{FF2B5EF4-FFF2-40B4-BE49-F238E27FC236}">
+                <a16:creationId xmlns:a16="http://schemas.microsoft.com/office/drawing/2014/main" id="{3B52A4E2-12F9-4A77-AC89-CEA98E241E9C}"/>
+              </a:ext>
+            </a:extLst>
+          </p:cNvPr>
+          <p:cNvSpPr>
+            <a:spLocks noGrp="1"/>
+          </p:cNvSpPr>
+          <p:nvPr>
+            <p:ph idx="1"/>
+          </p:nvPr>
+        </p:nvSpPr>
+        <p:spPr/>
+        <p:txBody>
+          <a:bodyPr/>
+          <a:lstStyle/>
+          <a:p>
+            <a:r>
+              <a:rPr lang="en-GB" dirty="0"/>
+              <a:t>Switching strategy between Regions</a:t>
+            </a:r>
+          </a:p>
+          <a:p>
+            <a:pPr lvl="1"/>
+            <a:r>
+              <a:rPr lang="en-GB" dirty="0"/>
+              <a:t>Torque limits</a:t>
+            </a:r>
+          </a:p>
+          <a:p>
+            <a:pPr lvl="1"/>
+            <a:r>
+              <a:rPr lang="en-GB" dirty="0"/>
+              <a:t>PI Anti-windup</a:t>
+            </a:r>
+          </a:p>
+          <a:p>
+            <a:endParaRPr lang="en-GB" dirty="0"/>
+          </a:p>
+          <a:p>
+            <a:r>
+              <a:rPr lang="en-GB" dirty="0"/>
+              <a:t>Start-up and Shut-down procedure</a:t>
+            </a:r>
+          </a:p>
+          <a:p>
+            <a:endParaRPr lang="en-GB" dirty="0"/>
+          </a:p>
+          <a:p>
+            <a:r>
+              <a:rPr lang="en-GB" dirty="0"/>
+              <a:t>Damage Equivalent Load (DEL)</a:t>
+            </a:r>
+          </a:p>
+          <a:p>
+            <a:endParaRPr lang="en-GB" dirty="0"/>
+          </a:p>
+          <a:p>
+            <a:r>
+              <a:rPr lang="en-GB" dirty="0"/>
+              <a:t>Peak Shaving</a:t>
+            </a:r>
+          </a:p>
+          <a:p>
+            <a:pPr marL="0" indent="0">
+              <a:buNone/>
+            </a:pPr>
+            <a:endParaRPr lang="en-GB" dirty="0"/>
+          </a:p>
+          <a:p>
+            <a:r>
+              <a:rPr lang="en-GB" dirty="0"/>
+              <a:t>Advanced Control Topics</a:t>
+            </a:r>
+          </a:p>
+          <a:p>
+            <a:endParaRPr lang="en-GB" dirty="0"/>
+          </a:p>
+        </p:txBody>
+      </p:sp>
+      <p:sp>
+        <p:nvSpPr>
+          <p:cNvPr id="4" name="Slide Number Placeholder 3">
+            <a:extLst>
+              <a:ext uri="{FF2B5EF4-FFF2-40B4-BE49-F238E27FC236}">
+                <a16:creationId xmlns:a16="http://schemas.microsoft.com/office/drawing/2014/main" id="{C959E281-DD81-48DE-B4C0-A6CEC4ECA5E3}"/>
+              </a:ext>
+            </a:extLst>
+          </p:cNvPr>
+          <p:cNvSpPr>
+            <a:spLocks noGrp="1"/>
+          </p:cNvSpPr>
+          <p:nvPr>
+            <p:ph type="sldNum" sz="quarter" idx="11"/>
+          </p:nvPr>
+        </p:nvSpPr>
+        <p:spPr/>
+        <p:txBody>
+          <a:bodyPr/>
+          <a:lstStyle/>
+          <a:p>
+            <a:fld id="{103EA872-A674-449B-A120-B97244F8E91D}" type="slidenum">
+              <a:rPr lang="en-GB" smtClean="0"/>
+              <a:pPr/>
+              <a:t>5</a:t>
+            </a:fld>
+            <a:endParaRPr lang="en-GB" dirty="0"/>
+          </a:p>
+        </p:txBody>
+      </p:sp>
+    </p:spTree>
+    <p:extLst>
+      <p:ext uri="{BB962C8B-B14F-4D97-AF65-F5344CB8AC3E}">
+        <p14:creationId xmlns:p14="http://schemas.microsoft.com/office/powerpoint/2010/main" val="416968808"/>
+      </p:ext>
+    </p:extLst>
+  </p:cSld>
+  <p:clrMapOvr>
+    <a:masterClrMapping/>
+  </p:clrMapOvr>
+</p:sld>
+</file>
+
+<file path=ppt/slides/slide6.xml><?xml version="1.0" encoding="utf-8"?>
+<p:sld xmlns:a="http://schemas.openxmlformats.org/drawingml/2006/main" xmlns:r="http://schemas.openxmlformats.org/officeDocument/2006/relationships" xmlns:p="http://schemas.openxmlformats.org/presentationml/2006/main">
+  <p:cSld>
+    <p:spTree>
+      <p:nvGrpSpPr>
+        <p:cNvPr id="1" name=""/>
+        <p:cNvGrpSpPr/>
+        <p:nvPr/>
+      </p:nvGrpSpPr>
+      <p:grpSpPr>
+        <a:xfrm>
+          <a:off x="0" y="0"/>
+          <a:ext cx="0" cy="0"/>
+          <a:chOff x="0" y="0"/>
+          <a:chExt cx="0" cy="0"/>
+        </a:xfrm>
+      </p:grpSpPr>
+      <p:sp>
+        <p:nvSpPr>
+          <p:cNvPr id="2" name="Title 1">
+            <a:extLst>
+              <a:ext uri="{FF2B5EF4-FFF2-40B4-BE49-F238E27FC236}">
                 <a16:creationId xmlns:a16="http://schemas.microsoft.com/office/drawing/2014/main" id="{AEEDB5E2-8228-489B-956B-0EC72BF19C15}"/>
               </a:ext>
             </a:extLst>
@@ -28772,7 +29431,7 @@
             <a:fld id="{103EA872-A674-449B-A120-B97244F8E91D}" type="slidenum">
               <a:rPr lang="en-GB" smtClean="0"/>
               <a:pPr/>
-              <a:t>5</a:t>
+              <a:t>6</a:t>
             </a:fld>
             <a:endParaRPr lang="en-GB" dirty="0"/>
           </a:p>
@@ -29075,8 +29734,8 @@
           </a:p>
         </p:txBody>
       </p:sp>
-      <mc:AlternateContent xmlns:mc="http://schemas.openxmlformats.org/markup-compatibility/2006">
-        <mc:Choice xmlns:a14="http://schemas.microsoft.com/office/drawing/2010/main" Requires="a14">
+      <mc:AlternateContent xmlns:mc="http://schemas.openxmlformats.org/markup-compatibility/2006" xmlns:a14="http://schemas.microsoft.com/office/drawing/2010/main">
+        <mc:Choice Requires="a14">
           <p:sp>
             <p:nvSpPr>
               <p:cNvPr id="11" name="TextBox 10">
@@ -29177,7 +29836,7 @@
             </p:txBody>
           </p:sp>
         </mc:Choice>
-        <mc:Fallback>
+        <mc:Fallback xmlns="">
           <p:sp>
             <p:nvSpPr>
               <p:cNvPr id="11" name="TextBox 10">
@@ -29222,8 +29881,8 @@
           </p:sp>
         </mc:Fallback>
       </mc:AlternateContent>
-      <mc:AlternateContent xmlns:mc="http://schemas.openxmlformats.org/markup-compatibility/2006">
-        <mc:Choice xmlns:a14="http://schemas.microsoft.com/office/drawing/2010/main" Requires="a14">
+      <mc:AlternateContent xmlns:mc="http://schemas.openxmlformats.org/markup-compatibility/2006" xmlns:a14="http://schemas.microsoft.com/office/drawing/2010/main">
+        <mc:Choice Requires="a14">
           <p:sp>
             <p:nvSpPr>
               <p:cNvPr id="12" name="TextBox 11">
@@ -29804,7 +30463,7 @@
             </p:txBody>
           </p:sp>
         </mc:Choice>
-        <mc:Fallback>
+        <mc:Fallback xmlns="">
           <p:sp>
             <p:nvSpPr>
               <p:cNvPr id="12" name="TextBox 11">
@@ -29950,8 +30609,8 @@
           </a:extLst>
         </p:spPr>
       </p:cxnSp>
-      <mc:AlternateContent xmlns:mc="http://schemas.openxmlformats.org/markup-compatibility/2006">
-        <mc:Choice xmlns:a14="http://schemas.microsoft.com/office/drawing/2010/main" Requires="a14">
+      <mc:AlternateContent xmlns:mc="http://schemas.openxmlformats.org/markup-compatibility/2006" xmlns:a14="http://schemas.microsoft.com/office/drawing/2010/main">
+        <mc:Choice Requires="a14">
           <p:sp>
             <p:nvSpPr>
               <p:cNvPr id="16" name="TextBox 15">
@@ -30168,7 +30827,7 @@
             </p:txBody>
           </p:sp>
         </mc:Choice>
-        <mc:Fallback>
+        <mc:Fallback xmlns="">
           <p:sp>
             <p:nvSpPr>
               <p:cNvPr id="16" name="TextBox 15">
@@ -30405,8 +31064,8 @@
           </a:p>
         </p:txBody>
       </p:sp>
-      <mc:AlternateContent xmlns:mc="http://schemas.openxmlformats.org/markup-compatibility/2006">
-        <mc:Choice xmlns:a14="http://schemas.microsoft.com/office/drawing/2010/main" Requires="a14">
+      <mc:AlternateContent xmlns:mc="http://schemas.openxmlformats.org/markup-compatibility/2006" xmlns:a14="http://schemas.microsoft.com/office/drawing/2010/main">
+        <mc:Choice Requires="a14">
           <p:sp>
             <p:nvSpPr>
               <p:cNvPr id="25" name="Rectangle 24">
@@ -30434,6 +31093,7 @@
               </a:bodyPr>
               <a:lstStyle/>
               <a:p>
+                <a:pPr/>
                 <a14:m>
                   <m:oMathPara xmlns:m="http://schemas.openxmlformats.org/officeDocument/2006/math">
                     <m:oMathParaPr>
@@ -30476,7 +31136,7 @@
             </p:txBody>
           </p:sp>
         </mc:Choice>
-        <mc:Fallback>
+        <mc:Fallback xmlns="">
           <p:sp>
             <p:nvSpPr>
               <p:cNvPr id="25" name="Rectangle 24">
@@ -30521,8 +31181,8 @@
           </p:sp>
         </mc:Fallback>
       </mc:AlternateContent>
-      <mc:AlternateContent xmlns:mc="http://schemas.openxmlformats.org/markup-compatibility/2006">
-        <mc:Choice xmlns:a14="http://schemas.microsoft.com/office/drawing/2010/main" Requires="a14">
+      <mc:AlternateContent xmlns:mc="http://schemas.openxmlformats.org/markup-compatibility/2006" xmlns:a14="http://schemas.microsoft.com/office/drawing/2010/main">
+        <mc:Choice Requires="a14">
           <p:sp>
             <p:nvSpPr>
               <p:cNvPr id="26" name="Rectangle 25">
@@ -30550,6 +31210,7 @@
               </a:bodyPr>
               <a:lstStyle/>
               <a:p>
+                <a:pPr/>
                 <a14:m>
                   <m:oMathPara xmlns:m="http://schemas.openxmlformats.org/officeDocument/2006/math">
                     <m:oMathParaPr>
@@ -30570,7 +31231,7 @@
             </p:txBody>
           </p:sp>
         </mc:Choice>
-        <mc:Fallback>
+        <mc:Fallback xmlns="">
           <p:sp>
             <p:nvSpPr>
               <p:cNvPr id="26" name="Rectangle 25">
@@ -31399,7 +32060,7 @@
 </p:sld>
 </file>
 
-<file path=ppt/slides/slide6.xml><?xml version="1.0" encoding="utf-8"?>
+<file path=ppt/slides/slide7.xml><?xml version="1.0" encoding="utf-8"?>
 <p:sld xmlns:a="http://schemas.openxmlformats.org/drawingml/2006/main" xmlns:r="http://schemas.openxmlformats.org/officeDocument/2006/relationships" xmlns:p="http://schemas.openxmlformats.org/presentationml/2006/main">
   <p:cSld>
     <p:spTree>
@@ -31445,8 +32106,8 @@
           </a:p>
         </p:txBody>
       </p:sp>
-      <mc:AlternateContent xmlns:mc="http://schemas.openxmlformats.org/markup-compatibility/2006">
-        <mc:Choice xmlns:a14="http://schemas.microsoft.com/office/drawing/2010/main" Requires="a14">
+      <mc:AlternateContent xmlns:mc="http://schemas.openxmlformats.org/markup-compatibility/2006" xmlns:a14="http://schemas.microsoft.com/office/drawing/2010/main">
+        <mc:Choice Requires="a14">
           <p:sp>
             <p:nvSpPr>
               <p:cNvPr id="3" name="Content Placeholder 2">
@@ -31684,7 +32345,7 @@
             </p:txBody>
           </p:sp>
         </mc:Choice>
-        <mc:Fallback>
+        <mc:Fallback xmlns="">
           <p:sp>
             <p:nvSpPr>
               <p:cNvPr id="3" name="Content Placeholder 2">
@@ -31748,7 +32409,7 @@
             <a:fld id="{103EA872-A674-449B-A120-B97244F8E91D}" type="slidenum">
               <a:rPr lang="en-GB" smtClean="0"/>
               <a:pPr/>
-              <a:t>6</a:t>
+              <a:t>7</a:t>
             </a:fld>
             <a:endParaRPr lang="en-GB" dirty="0"/>
           </a:p>
@@ -31967,8 +32628,8 @@
             </a:extLst>
           </p:spPr>
         </p:cxnSp>
-        <mc:AlternateContent xmlns:mc="http://schemas.openxmlformats.org/markup-compatibility/2006">
-          <mc:Choice xmlns:a14="http://schemas.microsoft.com/office/drawing/2010/main" Requires="a14">
+        <mc:AlternateContent xmlns:mc="http://schemas.openxmlformats.org/markup-compatibility/2006" xmlns:a14="http://schemas.microsoft.com/office/drawing/2010/main">
+          <mc:Choice Requires="a14">
             <p:sp>
               <p:nvSpPr>
                 <p:cNvPr id="22" name="Rectangle 21">
@@ -32073,7 +32734,7 @@
               </p:txBody>
             </p:sp>
           </mc:Choice>
-          <mc:Fallback>
+          <mc:Fallback xmlns="">
             <p:sp>
               <p:nvSpPr>
                 <p:cNvPr id="22" name="Rectangle 21">
@@ -32164,8 +32825,8 @@
             </a:extLst>
           </p:spPr>
         </p:cxnSp>
-        <mc:AlternateContent xmlns:mc="http://schemas.openxmlformats.org/markup-compatibility/2006">
-          <mc:Choice xmlns:a14="http://schemas.microsoft.com/office/drawing/2010/main" Requires="a14">
+        <mc:AlternateContent xmlns:mc="http://schemas.openxmlformats.org/markup-compatibility/2006" xmlns:a14="http://schemas.microsoft.com/office/drawing/2010/main">
+          <mc:Choice Requires="a14">
             <p:sp>
               <p:nvSpPr>
                 <p:cNvPr id="24" name="Rectangle 23">
@@ -32233,7 +32894,7 @@
               </p:txBody>
             </p:sp>
           </mc:Choice>
-          <mc:Fallback>
+          <mc:Fallback xmlns="">
             <p:sp>
               <p:nvSpPr>
                 <p:cNvPr id="24" name="Rectangle 23">
@@ -32278,8 +32939,8 @@
             </p:sp>
           </mc:Fallback>
         </mc:AlternateContent>
-        <mc:AlternateContent xmlns:mc="http://schemas.openxmlformats.org/markup-compatibility/2006">
-          <mc:Choice xmlns:a14="http://schemas.microsoft.com/office/drawing/2010/main" Requires="a14">
+        <mc:AlternateContent xmlns:mc="http://schemas.openxmlformats.org/markup-compatibility/2006" xmlns:a14="http://schemas.microsoft.com/office/drawing/2010/main">
+          <mc:Choice Requires="a14">
             <p:sp>
               <p:nvSpPr>
                 <p:cNvPr id="25" name="TextBox 24">
@@ -32335,7 +32996,7 @@
               </p:txBody>
             </p:sp>
           </mc:Choice>
-          <mc:Fallback>
+          <mc:Fallback xmlns="">
             <p:sp>
               <p:nvSpPr>
                 <p:cNvPr id="25" name="TextBox 24">
@@ -32381,8 +33042,8 @@
           </mc:Fallback>
         </mc:AlternateContent>
       </p:grpSp>
-      <mc:AlternateContent xmlns:mc="http://schemas.openxmlformats.org/markup-compatibility/2006">
-        <mc:Choice xmlns:a14="http://schemas.microsoft.com/office/drawing/2010/main" Requires="a14">
+      <mc:AlternateContent xmlns:mc="http://schemas.openxmlformats.org/markup-compatibility/2006" xmlns:a14="http://schemas.microsoft.com/office/drawing/2010/main">
+        <mc:Choice Requires="a14">
           <p:sp>
             <p:nvSpPr>
               <p:cNvPr id="28" name="Rectangle 27">
@@ -32410,6 +33071,7 @@
               </a:bodyPr>
               <a:lstStyle/>
               <a:p>
+                <a:pPr/>
                 <a14:m>
                   <m:oMathPara xmlns:m="http://schemas.openxmlformats.org/officeDocument/2006/math">
                     <m:oMathParaPr>
@@ -32564,7 +33226,7 @@
             </p:txBody>
           </p:sp>
         </mc:Choice>
-        <mc:Fallback>
+        <mc:Fallback xmlns="">
           <p:sp>
             <p:nvSpPr>
               <p:cNvPr id="28" name="Rectangle 27">
@@ -32622,7 +33284,7 @@
 </p:sld>
 </file>
 
-<file path=ppt/slides/slide7.xml><?xml version="1.0" encoding="utf-8"?>
+<file path=ppt/slides/slide8.xml><?xml version="1.0" encoding="utf-8"?>
 <p:sld xmlns:a="http://schemas.openxmlformats.org/drawingml/2006/main" xmlns:r="http://schemas.openxmlformats.org/officeDocument/2006/relationships" xmlns:p="http://schemas.openxmlformats.org/presentationml/2006/main">
   <p:cSld>
     <p:spTree>
@@ -32755,7 +33417,7 @@
             <a:fld id="{103EA872-A674-449B-A120-B97244F8E91D}" type="slidenum">
               <a:rPr lang="en-GB" smtClean="0"/>
               <a:pPr/>
-              <a:t>7</a:t>
+              <a:t>8</a:t>
             </a:fld>
             <a:endParaRPr lang="en-GB" dirty="0"/>
           </a:p>
@@ -33160,7 +33822,7 @@
 </p:sld>
 </file>
 
-<file path=ppt/slides/slide8.xml><?xml version="1.0" encoding="utf-8"?>
+<file path=ppt/slides/slide9.xml><?xml version="1.0" encoding="utf-8"?>
 <p:sld xmlns:a="http://schemas.openxmlformats.org/drawingml/2006/main" xmlns:r="http://schemas.openxmlformats.org/officeDocument/2006/relationships" xmlns:p="http://schemas.openxmlformats.org/presentationml/2006/main">
   <p:cSld>
     <p:spTree>
@@ -33264,7 +33926,7 @@
             <a:fld id="{103EA872-A674-449B-A120-B97244F8E91D}" type="slidenum">
               <a:rPr lang="en-GB" smtClean="0"/>
               <a:pPr/>
-              <a:t>8</a:t>
+              <a:t>9</a:t>
             </a:fld>
             <a:endParaRPr lang="en-GB" dirty="0"/>
           </a:p>
@@ -34448,307 +35110,6 @@
 </p:sld>
 </file>
 
-<file path=ppt/slides/slide9.xml><?xml version="1.0" encoding="utf-8"?>
-<p:sld xmlns:a="http://schemas.openxmlformats.org/drawingml/2006/main" xmlns:r="http://schemas.openxmlformats.org/officeDocument/2006/relationships" xmlns:p="http://schemas.openxmlformats.org/presentationml/2006/main">
-  <p:cSld>
-    <p:spTree>
-      <p:nvGrpSpPr>
-        <p:cNvPr id="1" name=""/>
-        <p:cNvGrpSpPr/>
-        <p:nvPr/>
-      </p:nvGrpSpPr>
-      <p:grpSpPr>
-        <a:xfrm>
-          <a:off x="0" y="0"/>
-          <a:ext cx="0" cy="0"/>
-          <a:chOff x="0" y="0"/>
-          <a:chExt cx="0" cy="0"/>
-        </a:xfrm>
-      </p:grpSpPr>
-      <p:sp>
-        <p:nvSpPr>
-          <p:cNvPr id="2" name="Title 1">
-            <a:extLst>
-              <a:ext uri="{FF2B5EF4-FFF2-40B4-BE49-F238E27FC236}">
-                <a16:creationId xmlns:a16="http://schemas.microsoft.com/office/drawing/2014/main" id="{FE12CC59-53BC-42B2-8617-26A129190C9C}"/>
-              </a:ext>
-            </a:extLst>
-          </p:cNvPr>
-          <p:cNvSpPr>
-            <a:spLocks noGrp="1"/>
-          </p:cNvSpPr>
-          <p:nvPr>
-            <p:ph type="title"/>
-          </p:nvPr>
-        </p:nvSpPr>
-        <p:spPr/>
-        <p:txBody>
-          <a:bodyPr/>
-          <a:lstStyle/>
-          <a:p>
-            <a:r>
-              <a:rPr lang="en-GB" dirty="0"/>
-              <a:t>Exercise: Transition Strategy</a:t>
-            </a:r>
-          </a:p>
-        </p:txBody>
-      </p:sp>
-      <p:sp>
-        <p:nvSpPr>
-          <p:cNvPr id="3" name="Content Placeholder 2">
-            <a:extLst>
-              <a:ext uri="{FF2B5EF4-FFF2-40B4-BE49-F238E27FC236}">
-                <a16:creationId xmlns:a16="http://schemas.microsoft.com/office/drawing/2014/main" id="{1970B8F2-BB19-4416-B4D5-74792D16A9E1}"/>
-              </a:ext>
-            </a:extLst>
-          </p:cNvPr>
-          <p:cNvSpPr>
-            <a:spLocks noGrp="1"/>
-          </p:cNvSpPr>
-          <p:nvPr>
-            <p:ph idx="1"/>
-          </p:nvPr>
-        </p:nvSpPr>
-        <p:spPr/>
-        <p:txBody>
-          <a:bodyPr/>
-          <a:lstStyle/>
-          <a:p>
-            <a:r>
-              <a:rPr lang="en-GB" dirty="0"/>
-              <a:t>Comparison between DTU Controller and NREL Controller</a:t>
-            </a:r>
-          </a:p>
-          <a:p>
-            <a:endParaRPr lang="en-GB" dirty="0"/>
-          </a:p>
-        </p:txBody>
-      </p:sp>
-      <p:sp>
-        <p:nvSpPr>
-          <p:cNvPr id="4" name="Slide Number Placeholder 3">
-            <a:extLst>
-              <a:ext uri="{FF2B5EF4-FFF2-40B4-BE49-F238E27FC236}">
-                <a16:creationId xmlns:a16="http://schemas.microsoft.com/office/drawing/2014/main" id="{E0584243-3632-4D15-B2CA-3279EA1F7758}"/>
-              </a:ext>
-            </a:extLst>
-          </p:cNvPr>
-          <p:cNvSpPr>
-            <a:spLocks noGrp="1"/>
-          </p:cNvSpPr>
-          <p:nvPr>
-            <p:ph type="sldNum" sz="quarter" idx="11"/>
-          </p:nvPr>
-        </p:nvSpPr>
-        <p:spPr/>
-        <p:txBody>
-          <a:bodyPr/>
-          <a:lstStyle/>
-          <a:p>
-            <a:fld id="{103EA872-A674-449B-A120-B97244F8E91D}" type="slidenum">
-              <a:rPr lang="en-GB" smtClean="0"/>
-              <a:pPr/>
-              <a:t>9</a:t>
-            </a:fld>
-            <a:endParaRPr lang="en-GB" dirty="0"/>
-          </a:p>
-        </p:txBody>
-      </p:sp>
-      <p:sp>
-        <p:nvSpPr>
-          <p:cNvPr id="5" name="Rektangel 15">
-            <a:extLst>
-              <a:ext uri="{FF2B5EF4-FFF2-40B4-BE49-F238E27FC236}">
-                <a16:creationId xmlns:a16="http://schemas.microsoft.com/office/drawing/2014/main" id="{72198F69-E69E-47D3-BBA5-AE69EA8EB812}"/>
-              </a:ext>
-            </a:extLst>
-          </p:cNvPr>
-          <p:cNvSpPr/>
-          <p:nvPr/>
-        </p:nvSpPr>
-        <p:spPr bwMode="auto">
-          <a:xfrm>
-            <a:off x="731497" y="3645024"/>
-            <a:ext cx="10656388" cy="1901066"/>
-          </a:xfrm>
-          <a:prstGeom prst="rect">
-            <a:avLst/>
-          </a:prstGeom>
-          <a:ln>
-            <a:headEnd type="none" w="med" len="med"/>
-            <a:tailEnd type="none" w="med" len="med"/>
-          </a:ln>
-        </p:spPr>
-        <p:style>
-          <a:lnRef idx="3">
-            <a:schemeClr val="lt1"/>
-          </a:lnRef>
-          <a:fillRef idx="1">
-            <a:schemeClr val="accent1"/>
-          </a:fillRef>
-          <a:effectRef idx="1">
-            <a:schemeClr val="accent1"/>
-          </a:effectRef>
-          <a:fontRef idx="minor">
-            <a:schemeClr val="lt1"/>
-          </a:fontRef>
-        </p:style>
-        <p:txBody>
-          <a:bodyPr vert="horz" wrap="square" lIns="144000" tIns="144000" rIns="144000" bIns="108000" numCol="1" rtlCol="0" anchor="t" anchorCtr="0" compatLnSpc="1">
-            <a:prstTxWarp prst="textNoShape">
-              <a:avLst/>
-            </a:prstTxWarp>
-            <a:spAutoFit/>
-          </a:bodyPr>
-          <a:lstStyle/>
-          <a:p>
-            <a:pPr>
-              <a:spcBef>
-                <a:spcPts val="1800"/>
-              </a:spcBef>
-            </a:pPr>
-            <a:r>
-              <a:rPr lang="en-GB" sz="2000" dirty="0">
-                <a:solidFill>
-                  <a:schemeClr val="bg1"/>
-                </a:solidFill>
-                <a:latin typeface="Arial Rounded MT Bold" panose="020F0704030504030204" pitchFamily="34" charset="0"/>
-                <a:ea typeface="ＭＳ Ｐゴシック" pitchFamily="-80" charset="-128"/>
-              </a:rPr>
-              <a:t>Exercise: </a:t>
-            </a:r>
-            <a:r>
-              <a:rPr lang="en-US" sz="2000" dirty="0">
-                <a:solidFill>
-                  <a:schemeClr val="bg1"/>
-                </a:solidFill>
-                <a:latin typeface="Arial Rounded MT Bold" panose="020F0704030504030204" pitchFamily="34" charset="0"/>
-                <a:ea typeface="ＭＳ Ｐゴシック" pitchFamily="-80" charset="-128"/>
-              </a:rPr>
-              <a:t>Comparison between DTU Controller and NREL Controller</a:t>
-            </a:r>
-            <a:endParaRPr kumimoji="0" lang="en-GB" sz="2000" b="0" i="0" u="none" strike="noStrike" cap="none" normalizeH="0" baseline="0" dirty="0">
-              <a:ln>
-                <a:noFill/>
-              </a:ln>
-              <a:solidFill>
-                <a:schemeClr val="bg1"/>
-              </a:solidFill>
-              <a:effectLst/>
-              <a:latin typeface="Arial Rounded MT Bold" panose="020F0704030504030204" pitchFamily="34" charset="0"/>
-              <a:ea typeface="ＭＳ Ｐゴシック" pitchFamily="-80" charset="-128"/>
-            </a:endParaRPr>
-          </a:p>
-          <a:p>
-            <a:pPr marL="514350" indent="-514350">
-              <a:spcBef>
-                <a:spcPts val="600"/>
-              </a:spcBef>
-              <a:buFont typeface="+mj-lt"/>
-              <a:buAutoNum type="arabicPeriod"/>
-            </a:pPr>
-            <a:r>
-              <a:rPr lang="en-US" sz="1800" dirty="0">
-                <a:solidFill>
-                  <a:schemeClr val="bg1"/>
-                </a:solidFill>
-                <a:latin typeface="Arial Rounded MT Bold" panose="020F0704030504030204" pitchFamily="34" charset="0"/>
-                <a:ea typeface="ＭＳ Ｐゴシック" pitchFamily="-80" charset="-128"/>
-              </a:rPr>
-              <a:t>Open Part_6.m</a:t>
-            </a:r>
-            <a:endParaRPr kumimoji="0" lang="en-GB" sz="1800" b="0" i="0" u="none" strike="noStrike" cap="none" normalizeH="0" baseline="0" dirty="0">
-              <a:ln>
-                <a:noFill/>
-              </a:ln>
-              <a:solidFill>
-                <a:schemeClr val="bg1"/>
-              </a:solidFill>
-              <a:effectLst/>
-              <a:latin typeface="Arial Rounded MT Bold" panose="020F0704030504030204" pitchFamily="34" charset="0"/>
-              <a:ea typeface="ＭＳ Ｐゴシック" pitchFamily="-80" charset="-128"/>
-            </a:endParaRPr>
-          </a:p>
-          <a:p>
-            <a:pPr marL="514350" indent="-514350">
-              <a:spcBef>
-                <a:spcPts val="600"/>
-              </a:spcBef>
-              <a:buFont typeface="+mj-lt"/>
-              <a:buAutoNum type="arabicPeriod"/>
-            </a:pPr>
-            <a:r>
-              <a:rPr lang="en-US" sz="1800" dirty="0">
-                <a:solidFill>
-                  <a:schemeClr val="bg1"/>
-                </a:solidFill>
-                <a:latin typeface="Arial Rounded MT Bold" panose="020F0704030504030204" pitchFamily="34" charset="0"/>
-                <a:ea typeface="ＭＳ Ｐゴシック" pitchFamily="-80" charset="-128"/>
-              </a:rPr>
-              <a:t>Run the script to perform a step wind speed simulation. What do you see?</a:t>
-            </a:r>
-          </a:p>
-          <a:p>
-            <a:pPr marL="514350" indent="-514350">
-              <a:spcBef>
-                <a:spcPts val="600"/>
-              </a:spcBef>
-              <a:buFont typeface="+mj-lt"/>
-              <a:buAutoNum type="arabicPeriod"/>
-            </a:pPr>
-            <a:r>
-              <a:rPr lang="en-US" sz="1800" dirty="0">
-                <a:solidFill>
-                  <a:schemeClr val="bg1"/>
-                </a:solidFill>
-                <a:latin typeface="Arial Rounded MT Bold" panose="020F0704030504030204" pitchFamily="34" charset="0"/>
-                <a:ea typeface="ＭＳ Ｐゴシック" pitchFamily="-80" charset="-128"/>
-              </a:rPr>
-              <a:t>Perform a turbulent wind simulation (</a:t>
-            </a:r>
-            <a:r>
-              <a:rPr lang="en-US" sz="1800" dirty="0" err="1">
-                <a:solidFill>
-                  <a:schemeClr val="bg1"/>
-                </a:solidFill>
-                <a:latin typeface="Arial Rounded MT Bold" panose="020F0704030504030204" pitchFamily="34" charset="0"/>
-                <a:ea typeface="ＭＳ Ｐゴシック" pitchFamily="-80" charset="-128"/>
-              </a:rPr>
-              <a:t>wind_no</a:t>
-            </a:r>
-            <a:r>
-              <a:rPr lang="en-US" sz="1800" dirty="0">
-                <a:solidFill>
-                  <a:schemeClr val="bg1"/>
-                </a:solidFill>
-                <a:latin typeface="Arial Rounded MT Bold" panose="020F0704030504030204" pitchFamily="34" charset="0"/>
-                <a:ea typeface="ＭＳ Ｐゴシック" pitchFamily="-80" charset="-128"/>
-              </a:rPr>
-              <a:t>  = 3). Which one generates more energy? How about the tower loads (displacement)?</a:t>
-            </a:r>
-            <a:endParaRPr lang="en-GB" sz="1800" dirty="0">
-              <a:solidFill>
-                <a:schemeClr val="bg1"/>
-              </a:solidFill>
-              <a:latin typeface="Arial Rounded MT Bold" panose="020F0704030504030204" pitchFamily="34" charset="0"/>
-              <a:ea typeface="ＭＳ Ｐゴシック" pitchFamily="-80" charset="-128"/>
-            </a:endParaRPr>
-          </a:p>
-        </p:txBody>
-      </p:sp>
-    </p:spTree>
-    <p:extLst>
-      <p:ext uri="{BB962C8B-B14F-4D97-AF65-F5344CB8AC3E}">
-        <p14:creationId xmlns:p14="http://schemas.microsoft.com/office/powerpoint/2010/main" val="2541362834"/>
-      </p:ext>
-    </p:extLst>
-  </p:cSld>
-  <p:clrMapOvr>
-    <a:masterClrMapping/>
-  </p:clrMapOvr>
-</p:sld>
-</file>
-
 <file path=ppt/tags/tag1.xml><?xml version="1.0" encoding="utf-8"?>
 <p:tagLst xmlns:a="http://schemas.openxmlformats.org/drawingml/2006/main" xmlns:r="http://schemas.openxmlformats.org/officeDocument/2006/relationships" xmlns:p="http://schemas.openxmlformats.org/presentationml/2006/main">
   <p:tag name="SDNEW" val="False"/>
@@ -35691,7 +36052,7 @@
 </file>
 
 <file path=customXml/item1.xml><?xml version="1.0" encoding="utf-8"?>
-<TemplafySlideFormConfiguration><![CDATA[{"formFields":[],"formDataEntries":[]}]]></TemplafySlideFormConfiguration>
+<TemplafyTemplateConfiguration><![CDATA[{"elementsMetadata":[{"type":"shape","id":"2fce62a0-f28a-44e1-a519-0cbe37b25f7a","elementConfiguration":{"binding":"UserProfile.Offices.Workarea_{{DocumentLanguage}}","disableUpdates":false,"type":"text"}},{"type":"shape","id":"58465eeb-cfe0-4970-97ec-88179dc0a9c2","elementConfiguration":{"binding":"Form.Date","format":"{{DateFormats.GeneralDate}}","disableUpdates":false,"type":"date"}},{"type":"shape","id":"5020bdfb-1912-4d6d-a5c3-71b7da283692","elementConfiguration":{"binding":"Form.PresentationTitle","disableUpdates":false,"type":"text"}},{"type":"shape","id":"8d5b95d1-8a23-4044-9620-bf5e7305a170","elementConfiguration":{"binding":"UserProfile.Offices.Workarea_{{DocumentLanguage}}","disableUpdates":false,"type":"text"}},{"type":"shape","id":"79fbb3c3-dd89-47ef-91e9-e0bd2bb0942f","elementConfiguration":{"binding":"Form.Date","format":"{{DateFormats.GeneralDate}}","disableUpdates":false,"type":"date"}},{"type":"shape","id":"5e9447ba-0dff-46ec-ac33-540c046ca40a","elementConfiguration":{"binding":"Form.PresentationTitle","disableUpdates":false,"type":"text"}}],"transformationConfigurations":[{"language":"{{DocumentLanguage}}","disableUpdates":false,"type":"proofingLanguage"}],"enableDocumentContentUpdater":true,"templateName":"DTU Template 16_9 - Corporate red","templateDescription":"","version":"1.2"}]]></TemplafyTemplateConfiguration>
 </file>
 
 <file path=customXml/item2.xml><?xml version="1.0" encoding="utf-8"?>
@@ -35699,11 +36060,11 @@
 </file>
 
 <file path=customXml/item3.xml><?xml version="1.0" encoding="utf-8"?>
-<TemplafyTemplateConfiguration><![CDATA[{"elementsMetadata":[{"type":"shape","id":"2fce62a0-f28a-44e1-a519-0cbe37b25f7a","elementConfiguration":{"binding":"UserProfile.Offices.Workarea_{{DocumentLanguage}}","disableUpdates":false,"type":"text"}},{"type":"shape","id":"58465eeb-cfe0-4970-97ec-88179dc0a9c2","elementConfiguration":{"binding":"Form.Date","format":"{{DateFormats.GeneralDate}}","disableUpdates":false,"type":"date"}},{"type":"shape","id":"5020bdfb-1912-4d6d-a5c3-71b7da283692","elementConfiguration":{"binding":"Form.PresentationTitle","disableUpdates":false,"type":"text"}},{"type":"shape","id":"8d5b95d1-8a23-4044-9620-bf5e7305a170","elementConfiguration":{"binding":"UserProfile.Offices.Workarea_{{DocumentLanguage}}","disableUpdates":false,"type":"text"}},{"type":"shape","id":"79fbb3c3-dd89-47ef-91e9-e0bd2bb0942f","elementConfiguration":{"binding":"Form.Date","format":"{{DateFormats.GeneralDate}}","disableUpdates":false,"type":"date"}},{"type":"shape","id":"5e9447ba-0dff-46ec-ac33-540c046ca40a","elementConfiguration":{"binding":"Form.PresentationTitle","disableUpdates":false,"type":"text"}}],"transformationConfigurations":[{"language":"{{DocumentLanguage}}","disableUpdates":false,"type":"proofingLanguage"}],"enableDocumentContentUpdater":true,"templateName":"DTU Template 16_9 - Corporate red","templateDescription":"","version":"1.2"}]]></TemplafyTemplateConfiguration>
+<TemplafySlideFormConfiguration><![CDATA[{"formFields":[],"formDataEntries":[]}]]></TemplafySlideFormConfiguration>
 </file>
 
 <file path=customXml/item4.xml><?xml version="1.0" encoding="utf-8"?>
-<TemplafyFormConfiguration><![CDATA[{"formFields":[{"required":false,"type":"datePicker","name":"Date","label":"Date","helpTexts":{"prefix":"","postfix":""},"spacing":{},"fullyQualifiedName":"Date"},{"required":false,"placeholder":"","lines":0,"type":"textBox","name":"PresentationTitle","label":"Presentation title","helpTexts":{"prefix":"","postfix":""},"spacing":{},"fullyQualifiedName":"PresentationTitle"}],"formDataEntries":[{"name":"Date","value":"4Xm7d242HGo446IH5nRjQA=="},{"name":"PresentationTitle","value":"ZR/I84ubq+6CkRKNk7nn9w=="}]}]]></TemplafyFormConfiguration>
+<TemplafySlideFormConfiguration><![CDATA[{"formFields":[],"formDataEntries":[]}]]></TemplafySlideFormConfiguration>
 </file>
 
 <file path=customXml/item5.xml><?xml version="1.0" encoding="utf-8"?>
@@ -35711,11 +36072,11 @@
 </file>
 
 <file path=customXml/item6.xml><?xml version="1.0" encoding="utf-8"?>
-<TemplafySlideFormConfiguration><![CDATA[{"formFields":[],"formDataEntries":[]}]]></TemplafySlideFormConfiguration>
+<TemplafyFormConfiguration><![CDATA[{"formFields":[{"required":false,"type":"datePicker","name":"Date","label":"Date","helpTexts":{"prefix":"","postfix":""},"spacing":{},"fullyQualifiedName":"Date"},{"required":false,"placeholder":"","lines":0,"type":"textBox","name":"PresentationTitle","label":"Presentation title","helpTexts":{"prefix":"","postfix":""},"spacing":{},"fullyQualifiedName":"PresentationTitle"}],"formDataEntries":[{"name":"Date","value":"4Xm7d242HGo446IH5nRjQA=="},{"name":"PresentationTitle","value":"ZR/I84ubq+6CkRKNk7nn9w=="}]}]]></TemplafyFormConfiguration>
 </file>
 
 <file path=customXml/itemProps1.xml><?xml version="1.0" encoding="utf-8"?>
-<ds:datastoreItem xmlns:ds="http://schemas.openxmlformats.org/officeDocument/2006/customXml" ds:itemID="{8660AB89-308F-4A34-B01B-CC1A9333F1B1}">
+<ds:datastoreItem xmlns:ds="http://schemas.openxmlformats.org/officeDocument/2006/customXml" ds:itemID="{1334258C-C3E7-4029-A615-C886A240FB15}">
   <ds:schemaRefs/>
 </ds:datastoreItem>
 </file>
@@ -35727,13 +36088,13 @@
 </file>
 
 <file path=customXml/itemProps3.xml><?xml version="1.0" encoding="utf-8"?>
-<ds:datastoreItem xmlns:ds="http://schemas.openxmlformats.org/officeDocument/2006/customXml" ds:itemID="{1334258C-C3E7-4029-A615-C886A240FB15}">
+<ds:datastoreItem xmlns:ds="http://schemas.openxmlformats.org/officeDocument/2006/customXml" ds:itemID="{8660AB89-308F-4A34-B01B-CC1A9333F1B1}">
   <ds:schemaRefs/>
 </ds:datastoreItem>
 </file>
 
 <file path=customXml/itemProps4.xml><?xml version="1.0" encoding="utf-8"?>
-<ds:datastoreItem xmlns:ds="http://schemas.openxmlformats.org/officeDocument/2006/customXml" ds:itemID="{05DC2B94-7C1B-4C14-83B0-9CD2A82C27E0}">
+<ds:datastoreItem xmlns:ds="http://schemas.openxmlformats.org/officeDocument/2006/customXml" ds:itemID="{1680B9DC-2D51-4402-BB2C-B8DE0C5AC522}">
   <ds:schemaRefs/>
 </ds:datastoreItem>
 </file>
@@ -35745,7 +36106,7 @@
 </file>
 
 <file path=customXml/itemProps6.xml><?xml version="1.0" encoding="utf-8"?>
-<ds:datastoreItem xmlns:ds="http://schemas.openxmlformats.org/officeDocument/2006/customXml" ds:itemID="{1680B9DC-2D51-4402-BB2C-B8DE0C5AC522}">
+<ds:datastoreItem xmlns:ds="http://schemas.openxmlformats.org/officeDocument/2006/customXml" ds:itemID="{05DC2B94-7C1B-4C14-83B0-9CD2A82C27E0}">
   <ds:schemaRefs/>
 </ds:datastoreItem>
 </file>